--- a/ProyectoDemo/Prototipos.pptx
+++ b/ProyectoDemo/Prototipos.pptx
@@ -7,7 +7,9 @@
   <p:sldIdLst>
     <p:sldId id="256" r:id="rId2"/>
     <p:sldId id="258" r:id="rId3"/>
-    <p:sldId id="257" r:id="rId4"/>
+    <p:sldId id="259" r:id="rId4"/>
+    <p:sldId id="260" r:id="rId5"/>
+    <p:sldId id="257" r:id="rId6"/>
   </p:sldIdLst>
   <p:sldSz cx="12192000" cy="6858000"/>
   <p:notesSz cx="6858000" cy="9144000"/>
@@ -263,7 +265,7 @@
           <a:p>
             <a:fld id="{59479DF8-B0D2-410D-BE61-5137DF0C497D}" type="datetimeFigureOut">
               <a:rPr lang="es-PE" smtClean="0"/>
-              <a:t>15/10/2021</a:t>
+              <a:t>21/10/2021</a:t>
             </a:fld>
             <a:endParaRPr lang="es-PE"/>
           </a:p>
@@ -463,7 +465,7 @@
           <a:p>
             <a:fld id="{59479DF8-B0D2-410D-BE61-5137DF0C497D}" type="datetimeFigureOut">
               <a:rPr lang="es-PE" smtClean="0"/>
-              <a:t>15/10/2021</a:t>
+              <a:t>21/10/2021</a:t>
             </a:fld>
             <a:endParaRPr lang="es-PE"/>
           </a:p>
@@ -673,7 +675,7 @@
           <a:p>
             <a:fld id="{59479DF8-B0D2-410D-BE61-5137DF0C497D}" type="datetimeFigureOut">
               <a:rPr lang="es-PE" smtClean="0"/>
-              <a:t>15/10/2021</a:t>
+              <a:t>21/10/2021</a:t>
             </a:fld>
             <a:endParaRPr lang="es-PE"/>
           </a:p>
@@ -873,7 +875,7 @@
           <a:p>
             <a:fld id="{59479DF8-B0D2-410D-BE61-5137DF0C497D}" type="datetimeFigureOut">
               <a:rPr lang="es-PE" smtClean="0"/>
-              <a:t>15/10/2021</a:t>
+              <a:t>21/10/2021</a:t>
             </a:fld>
             <a:endParaRPr lang="es-PE"/>
           </a:p>
@@ -1149,7 +1151,7 @@
           <a:p>
             <a:fld id="{59479DF8-B0D2-410D-BE61-5137DF0C497D}" type="datetimeFigureOut">
               <a:rPr lang="es-PE" smtClean="0"/>
-              <a:t>15/10/2021</a:t>
+              <a:t>21/10/2021</a:t>
             </a:fld>
             <a:endParaRPr lang="es-PE"/>
           </a:p>
@@ -1417,7 +1419,7 @@
           <a:p>
             <a:fld id="{59479DF8-B0D2-410D-BE61-5137DF0C497D}" type="datetimeFigureOut">
               <a:rPr lang="es-PE" smtClean="0"/>
-              <a:t>15/10/2021</a:t>
+              <a:t>21/10/2021</a:t>
             </a:fld>
             <a:endParaRPr lang="es-PE"/>
           </a:p>
@@ -1832,7 +1834,7 @@
           <a:p>
             <a:fld id="{59479DF8-B0D2-410D-BE61-5137DF0C497D}" type="datetimeFigureOut">
               <a:rPr lang="es-PE" smtClean="0"/>
-              <a:t>15/10/2021</a:t>
+              <a:t>21/10/2021</a:t>
             </a:fld>
             <a:endParaRPr lang="es-PE"/>
           </a:p>
@@ -1974,7 +1976,7 @@
           <a:p>
             <a:fld id="{59479DF8-B0D2-410D-BE61-5137DF0C497D}" type="datetimeFigureOut">
               <a:rPr lang="es-PE" smtClean="0"/>
-              <a:t>15/10/2021</a:t>
+              <a:t>21/10/2021</a:t>
             </a:fld>
             <a:endParaRPr lang="es-PE"/>
           </a:p>
@@ -2087,7 +2089,7 @@
           <a:p>
             <a:fld id="{59479DF8-B0D2-410D-BE61-5137DF0C497D}" type="datetimeFigureOut">
               <a:rPr lang="es-PE" smtClean="0"/>
-              <a:t>15/10/2021</a:t>
+              <a:t>21/10/2021</a:t>
             </a:fld>
             <a:endParaRPr lang="es-PE"/>
           </a:p>
@@ -2400,7 +2402,7 @@
           <a:p>
             <a:fld id="{59479DF8-B0D2-410D-BE61-5137DF0C497D}" type="datetimeFigureOut">
               <a:rPr lang="es-PE" smtClean="0"/>
-              <a:t>15/10/2021</a:t>
+              <a:t>21/10/2021</a:t>
             </a:fld>
             <a:endParaRPr lang="es-PE"/>
           </a:p>
@@ -2689,7 +2691,7 @@
           <a:p>
             <a:fld id="{59479DF8-B0D2-410D-BE61-5137DF0C497D}" type="datetimeFigureOut">
               <a:rPr lang="es-PE" smtClean="0"/>
-              <a:t>15/10/2021</a:t>
+              <a:t>21/10/2021</a:t>
             </a:fld>
             <a:endParaRPr lang="es-PE"/>
           </a:p>
@@ -2932,7 +2934,7 @@
           <a:p>
             <a:fld id="{59479DF8-B0D2-410D-BE61-5137DF0C497D}" type="datetimeFigureOut">
               <a:rPr lang="es-PE" smtClean="0"/>
-              <a:t>15/10/2021</a:t>
+              <a:t>21/10/2021</a:t>
             </a:fld>
             <a:endParaRPr lang="es-PE"/>
           </a:p>
@@ -3763,6 +3765,62 @@
           </p:txBody>
         </p:sp>
       </p:grpSp>
+      <p:sp>
+        <p:nvSpPr>
+          <p:cNvPr id="2" name="CuadroTexto 1">
+            <a:extLst>
+              <a:ext uri="{FF2B5EF4-FFF2-40B4-BE49-F238E27FC236}">
+                <a16:creationId xmlns:a16="http://schemas.microsoft.com/office/drawing/2014/main" id="{0DC6F2CA-04E3-4B41-AF10-05502C2A1125}"/>
+              </a:ext>
+            </a:extLst>
+          </p:cNvPr>
+          <p:cNvSpPr txBox="1"/>
+          <p:nvPr/>
+        </p:nvSpPr>
+        <p:spPr>
+          <a:xfrm>
+            <a:off x="11600872" y="114223"/>
+            <a:ext cx="423708" cy="461665"/>
+          </a:xfrm>
+          <a:prstGeom prst="rect">
+            <a:avLst/>
+          </a:prstGeom>
+          <a:noFill/>
+          <a:ln>
+            <a:solidFill>
+              <a:schemeClr val="accent3"/>
+            </a:solidFill>
+          </a:ln>
+        </p:spPr>
+        <p:txBody>
+          <a:bodyPr wrap="square" rtlCol="0">
+            <a:spAutoFit/>
+          </a:bodyPr>
+          <a:lstStyle/>
+          <a:p>
+            <a:pPr algn="ctr"/>
+            <a:r>
+              <a:rPr lang="es-MX" sz="2400" dirty="0">
+                <a:solidFill>
+                  <a:schemeClr val="bg1">
+                    <a:lumMod val="95000"/>
+                  </a:schemeClr>
+                </a:solidFill>
+                <a:latin typeface="Lucida Console" panose="020B0609040504020204" pitchFamily="49" charset="0"/>
+              </a:rPr>
+              <a:t>X</a:t>
+            </a:r>
+            <a:endParaRPr lang="es-PE" sz="2400" dirty="0">
+              <a:solidFill>
+                <a:schemeClr val="bg1">
+                  <a:lumMod val="95000"/>
+                </a:schemeClr>
+              </a:solidFill>
+              <a:latin typeface="Lucida Console" panose="020B0609040504020204" pitchFamily="49" charset="0"/>
+            </a:endParaRPr>
+          </a:p>
+        </p:txBody>
+      </p:sp>
     </p:spTree>
     <p:extLst>
       <p:ext uri="{BB962C8B-B14F-4D97-AF65-F5344CB8AC3E}">
@@ -4441,6 +4499,62 @@
           </a:p>
         </p:txBody>
       </p:sp>
+      <p:sp>
+        <p:nvSpPr>
+          <p:cNvPr id="18" name="CuadroTexto 17">
+            <a:extLst>
+              <a:ext uri="{FF2B5EF4-FFF2-40B4-BE49-F238E27FC236}">
+                <a16:creationId xmlns:a16="http://schemas.microsoft.com/office/drawing/2014/main" id="{44F039E2-78D6-4656-8B6E-7B999139CA35}"/>
+              </a:ext>
+            </a:extLst>
+          </p:cNvPr>
+          <p:cNvSpPr txBox="1"/>
+          <p:nvPr/>
+        </p:nvSpPr>
+        <p:spPr>
+          <a:xfrm>
+            <a:off x="11600872" y="114223"/>
+            <a:ext cx="423708" cy="461665"/>
+          </a:xfrm>
+          <a:prstGeom prst="rect">
+            <a:avLst/>
+          </a:prstGeom>
+          <a:noFill/>
+          <a:ln>
+            <a:solidFill>
+              <a:schemeClr val="accent3"/>
+            </a:solidFill>
+          </a:ln>
+        </p:spPr>
+        <p:txBody>
+          <a:bodyPr wrap="square" rtlCol="0">
+            <a:spAutoFit/>
+          </a:bodyPr>
+          <a:lstStyle/>
+          <a:p>
+            <a:pPr algn="ctr"/>
+            <a:r>
+              <a:rPr lang="es-MX" sz="2400" dirty="0">
+                <a:solidFill>
+                  <a:schemeClr val="bg1">
+                    <a:lumMod val="95000"/>
+                  </a:schemeClr>
+                </a:solidFill>
+                <a:latin typeface="Lucida Console" panose="020B0609040504020204" pitchFamily="49" charset="0"/>
+              </a:rPr>
+              <a:t>X</a:t>
+            </a:r>
+            <a:endParaRPr lang="es-PE" sz="2400" dirty="0">
+              <a:solidFill>
+                <a:schemeClr val="bg1">
+                  <a:lumMod val="95000"/>
+                </a:schemeClr>
+              </a:solidFill>
+              <a:latin typeface="Lucida Console" panose="020B0609040504020204" pitchFamily="49" charset="0"/>
+            </a:endParaRPr>
+          </a:p>
+        </p:txBody>
+      </p:sp>
     </p:spTree>
     <p:extLst>
       <p:ext uri="{BB962C8B-B14F-4D97-AF65-F5344CB8AC3E}">
@@ -4455,6 +4569,2875 @@
 </file>
 
 <file path=ppt/slides/slide3.xml><?xml version="1.0" encoding="utf-8"?>
+<p:sld xmlns:a="http://schemas.openxmlformats.org/drawingml/2006/main" xmlns:r="http://schemas.openxmlformats.org/officeDocument/2006/relationships" xmlns:p="http://schemas.openxmlformats.org/presentationml/2006/main">
+  <p:cSld>
+    <p:bg>
+      <p:bgPr>
+        <a:solidFill>
+          <a:schemeClr val="accent5">
+            <a:lumMod val="20000"/>
+            <a:lumOff val="80000"/>
+          </a:schemeClr>
+        </a:solidFill>
+        <a:effectLst/>
+      </p:bgPr>
+    </p:bg>
+    <p:spTree>
+      <p:nvGrpSpPr>
+        <p:cNvPr id="1" name=""/>
+        <p:cNvGrpSpPr/>
+        <p:nvPr/>
+      </p:nvGrpSpPr>
+      <p:grpSpPr>
+        <a:xfrm>
+          <a:off x="0" y="0"/>
+          <a:ext cx="0" cy="0"/>
+          <a:chOff x="0" y="0"/>
+          <a:chExt cx="0" cy="0"/>
+        </a:xfrm>
+      </p:grpSpPr>
+      <p:sp>
+        <p:nvSpPr>
+          <p:cNvPr id="4" name="Rectángulo 3">
+            <a:extLst>
+              <a:ext uri="{FF2B5EF4-FFF2-40B4-BE49-F238E27FC236}">
+                <a16:creationId xmlns:a16="http://schemas.microsoft.com/office/drawing/2014/main" id="{BFF0040E-4244-465E-94E7-8D6B7FC7AE4D}"/>
+              </a:ext>
+            </a:extLst>
+          </p:cNvPr>
+          <p:cNvSpPr/>
+          <p:nvPr/>
+        </p:nvSpPr>
+        <p:spPr>
+          <a:xfrm>
+            <a:off x="0" y="0"/>
+            <a:ext cx="12192000" cy="690113"/>
+          </a:xfrm>
+          <a:prstGeom prst="rect">
+            <a:avLst/>
+          </a:prstGeom>
+        </p:spPr>
+        <p:style>
+          <a:lnRef idx="2">
+            <a:schemeClr val="accent1">
+              <a:shade val="50000"/>
+            </a:schemeClr>
+          </a:lnRef>
+          <a:fillRef idx="1">
+            <a:schemeClr val="accent1"/>
+          </a:fillRef>
+          <a:effectRef idx="0">
+            <a:schemeClr val="accent1"/>
+          </a:effectRef>
+          <a:fontRef idx="minor">
+            <a:schemeClr val="lt1"/>
+          </a:fontRef>
+        </p:style>
+        <p:txBody>
+          <a:bodyPr lIns="288000" rtlCol="0" anchor="ctr"/>
+          <a:lstStyle/>
+          <a:p>
+            <a:r>
+              <a:rPr lang="es-MX" sz="3200" b="1" dirty="0">
+                <a:latin typeface="Arial" panose="020B0604020202020204" pitchFamily="34" charset="0"/>
+                <a:cs typeface="Arial" panose="020B0604020202020204" pitchFamily="34" charset="0"/>
+              </a:rPr>
+              <a:t>REGISTRAR VENTA</a:t>
+            </a:r>
+            <a:endParaRPr lang="es-PE" sz="3200" b="1" dirty="0">
+              <a:latin typeface="Arial" panose="020B0604020202020204" pitchFamily="34" charset="0"/>
+              <a:cs typeface="Arial" panose="020B0604020202020204" pitchFamily="34" charset="0"/>
+            </a:endParaRPr>
+          </a:p>
+        </p:txBody>
+      </p:sp>
+      <p:sp>
+        <p:nvSpPr>
+          <p:cNvPr id="5" name="CuadroTexto 4">
+            <a:extLst>
+              <a:ext uri="{FF2B5EF4-FFF2-40B4-BE49-F238E27FC236}">
+                <a16:creationId xmlns:a16="http://schemas.microsoft.com/office/drawing/2014/main" id="{9AB3938E-BF97-42E8-9BD3-90BFC96C85F6}"/>
+              </a:ext>
+            </a:extLst>
+          </p:cNvPr>
+          <p:cNvSpPr txBox="1"/>
+          <p:nvPr/>
+        </p:nvSpPr>
+        <p:spPr>
+          <a:xfrm>
+            <a:off x="692184" y="1543720"/>
+            <a:ext cx="2938462" cy="576000"/>
+          </a:xfrm>
+          <a:prstGeom prst="rect">
+            <a:avLst/>
+          </a:prstGeom>
+          <a:noFill/>
+        </p:spPr>
+        <p:txBody>
+          <a:bodyPr wrap="square" rtlCol="0">
+            <a:spAutoFit/>
+          </a:bodyPr>
+          <a:lstStyle/>
+          <a:p>
+            <a:r>
+              <a:rPr lang="es-MX" sz="2800" dirty="0">
+                <a:solidFill>
+                  <a:schemeClr val="tx1">
+                    <a:lumMod val="65000"/>
+                    <a:lumOff val="35000"/>
+                  </a:schemeClr>
+                </a:solidFill>
+              </a:rPr>
+              <a:t>Cliente</a:t>
+            </a:r>
+            <a:endParaRPr lang="es-PE" sz="2800" dirty="0">
+              <a:solidFill>
+                <a:schemeClr val="tx1">
+                  <a:lumMod val="65000"/>
+                  <a:lumOff val="35000"/>
+                </a:schemeClr>
+              </a:solidFill>
+            </a:endParaRPr>
+          </a:p>
+        </p:txBody>
+      </p:sp>
+      <p:sp>
+        <p:nvSpPr>
+          <p:cNvPr id="6" name="CuadroTexto 5">
+            <a:extLst>
+              <a:ext uri="{FF2B5EF4-FFF2-40B4-BE49-F238E27FC236}">
+                <a16:creationId xmlns:a16="http://schemas.microsoft.com/office/drawing/2014/main" id="{DBDE8564-D6DD-4BE5-8B14-47B2305007B0}"/>
+              </a:ext>
+            </a:extLst>
+          </p:cNvPr>
+          <p:cNvSpPr txBox="1"/>
+          <p:nvPr/>
+        </p:nvSpPr>
+        <p:spPr>
+          <a:xfrm>
+            <a:off x="3806137" y="1543720"/>
+            <a:ext cx="7416043" cy="576000"/>
+          </a:xfrm>
+          <a:prstGeom prst="rect">
+            <a:avLst/>
+          </a:prstGeom>
+          <a:solidFill>
+            <a:schemeClr val="bg1"/>
+          </a:solidFill>
+          <a:ln>
+            <a:solidFill>
+              <a:schemeClr val="tx2"/>
+            </a:solidFill>
+          </a:ln>
+        </p:spPr>
+        <p:txBody>
+          <a:bodyPr wrap="square" rtlCol="0">
+            <a:spAutoFit/>
+          </a:bodyPr>
+          <a:lstStyle/>
+          <a:p>
+            <a:r>
+              <a:rPr lang="es-MX" sz="2800" dirty="0">
+                <a:solidFill>
+                  <a:schemeClr val="bg2">
+                    <a:lumMod val="50000"/>
+                  </a:schemeClr>
+                </a:solidFill>
+              </a:rPr>
+              <a:t>Gustavo Coronel</a:t>
+            </a:r>
+            <a:endParaRPr lang="es-PE" sz="2800" dirty="0">
+              <a:solidFill>
+                <a:schemeClr val="bg2">
+                  <a:lumMod val="50000"/>
+                </a:schemeClr>
+              </a:solidFill>
+            </a:endParaRPr>
+          </a:p>
+        </p:txBody>
+      </p:sp>
+      <p:sp>
+        <p:nvSpPr>
+          <p:cNvPr id="7" name="CuadroTexto 6">
+            <a:extLst>
+              <a:ext uri="{FF2B5EF4-FFF2-40B4-BE49-F238E27FC236}">
+                <a16:creationId xmlns:a16="http://schemas.microsoft.com/office/drawing/2014/main" id="{231AF367-1616-4B80-8151-48696B4A3020}"/>
+              </a:ext>
+            </a:extLst>
+          </p:cNvPr>
+          <p:cNvSpPr txBox="1"/>
+          <p:nvPr/>
+        </p:nvSpPr>
+        <p:spPr>
+          <a:xfrm>
+            <a:off x="692183" y="2288392"/>
+            <a:ext cx="2967363" cy="576000"/>
+          </a:xfrm>
+          <a:prstGeom prst="rect">
+            <a:avLst/>
+          </a:prstGeom>
+          <a:noFill/>
+        </p:spPr>
+        <p:txBody>
+          <a:bodyPr wrap="square" rtlCol="0">
+            <a:spAutoFit/>
+          </a:bodyPr>
+          <a:lstStyle/>
+          <a:p>
+            <a:r>
+              <a:rPr lang="es-MX" sz="2800" dirty="0">
+                <a:solidFill>
+                  <a:schemeClr val="tx1">
+                    <a:lumMod val="65000"/>
+                    <a:lumOff val="35000"/>
+                  </a:schemeClr>
+                </a:solidFill>
+              </a:rPr>
+              <a:t>Marca</a:t>
+            </a:r>
+            <a:endParaRPr lang="es-PE" sz="2800" dirty="0">
+              <a:solidFill>
+                <a:schemeClr val="tx1">
+                  <a:lumMod val="65000"/>
+                  <a:lumOff val="35000"/>
+                </a:schemeClr>
+              </a:solidFill>
+            </a:endParaRPr>
+          </a:p>
+        </p:txBody>
+      </p:sp>
+      <p:sp>
+        <p:nvSpPr>
+          <p:cNvPr id="8" name="CuadroTexto 7">
+            <a:extLst>
+              <a:ext uri="{FF2B5EF4-FFF2-40B4-BE49-F238E27FC236}">
+                <a16:creationId xmlns:a16="http://schemas.microsoft.com/office/drawing/2014/main" id="{5DEA0BE2-2E87-4043-B620-6C7004D016DB}"/>
+              </a:ext>
+            </a:extLst>
+          </p:cNvPr>
+          <p:cNvSpPr txBox="1"/>
+          <p:nvPr/>
+        </p:nvSpPr>
+        <p:spPr>
+          <a:xfrm>
+            <a:off x="3806137" y="2288392"/>
+            <a:ext cx="7416042" cy="576000"/>
+          </a:xfrm>
+          <a:prstGeom prst="rect">
+            <a:avLst/>
+          </a:prstGeom>
+          <a:solidFill>
+            <a:schemeClr val="bg1"/>
+          </a:solidFill>
+          <a:ln>
+            <a:solidFill>
+              <a:schemeClr val="tx2"/>
+            </a:solidFill>
+          </a:ln>
+        </p:spPr>
+        <p:txBody>
+          <a:bodyPr wrap="square" rtlCol="0">
+            <a:spAutoFit/>
+          </a:bodyPr>
+          <a:lstStyle/>
+          <a:p>
+            <a:r>
+              <a:rPr lang="es-MX" sz="2800" dirty="0">
+                <a:solidFill>
+                  <a:schemeClr val="bg2">
+                    <a:lumMod val="50000"/>
+                  </a:schemeClr>
+                </a:solidFill>
+              </a:rPr>
+              <a:t>Toyota</a:t>
+            </a:r>
+            <a:endParaRPr lang="es-PE" sz="2800" dirty="0">
+              <a:solidFill>
+                <a:schemeClr val="bg2">
+                  <a:lumMod val="50000"/>
+                </a:schemeClr>
+              </a:solidFill>
+            </a:endParaRPr>
+          </a:p>
+        </p:txBody>
+      </p:sp>
+      <p:grpSp>
+        <p:nvGrpSpPr>
+          <p:cNvPr id="10" name="Grupo 9">
+            <a:extLst>
+              <a:ext uri="{FF2B5EF4-FFF2-40B4-BE49-F238E27FC236}">
+                <a16:creationId xmlns:a16="http://schemas.microsoft.com/office/drawing/2014/main" id="{B0B076E1-4EE5-4740-B9F4-0630270BF7F3}"/>
+              </a:ext>
+            </a:extLst>
+          </p:cNvPr>
+          <p:cNvGrpSpPr/>
+          <p:nvPr/>
+        </p:nvGrpSpPr>
+        <p:grpSpPr>
+          <a:xfrm>
+            <a:off x="2087526" y="5593476"/>
+            <a:ext cx="8146258" cy="1044000"/>
+            <a:chOff x="2628899" y="5048250"/>
+            <a:chExt cx="8146258" cy="1044000"/>
+          </a:xfrm>
+        </p:grpSpPr>
+        <p:sp>
+          <p:nvSpPr>
+            <p:cNvPr id="9" name="Rectángulo: esquinas redondeadas 8">
+              <a:extLst>
+                <a:ext uri="{FF2B5EF4-FFF2-40B4-BE49-F238E27FC236}">
+                  <a16:creationId xmlns:a16="http://schemas.microsoft.com/office/drawing/2014/main" id="{F0ADFD40-44B4-4A74-87A1-799FD7BA5C24}"/>
+                </a:ext>
+              </a:extLst>
+            </p:cNvPr>
+            <p:cNvSpPr/>
+            <p:nvPr/>
+          </p:nvSpPr>
+          <p:spPr>
+            <a:xfrm>
+              <a:off x="2628899" y="5048250"/>
+              <a:ext cx="3876675" cy="1044000"/>
+            </a:xfrm>
+            <a:prstGeom prst="roundRect">
+              <a:avLst/>
+            </a:prstGeom>
+          </p:spPr>
+          <p:style>
+            <a:lnRef idx="2">
+              <a:schemeClr val="accent1">
+                <a:shade val="50000"/>
+              </a:schemeClr>
+            </a:lnRef>
+            <a:fillRef idx="1">
+              <a:schemeClr val="accent1"/>
+            </a:fillRef>
+            <a:effectRef idx="0">
+              <a:schemeClr val="accent1"/>
+            </a:effectRef>
+            <a:fontRef idx="minor">
+              <a:schemeClr val="lt1"/>
+            </a:fontRef>
+          </p:style>
+          <p:txBody>
+            <a:bodyPr rtlCol="0" anchor="ctr"/>
+            <a:lstStyle/>
+            <a:p>
+              <a:pPr algn="ctr"/>
+              <a:r>
+                <a:rPr lang="es-MX" sz="4400" b="1" dirty="0"/>
+                <a:t>Registrar</a:t>
+              </a:r>
+              <a:endParaRPr lang="es-PE" sz="4400" b="1" dirty="0"/>
+            </a:p>
+          </p:txBody>
+        </p:sp>
+        <p:sp>
+          <p:nvSpPr>
+            <p:cNvPr id="12" name="Rectángulo: esquinas redondeadas 11">
+              <a:extLst>
+                <a:ext uri="{FF2B5EF4-FFF2-40B4-BE49-F238E27FC236}">
+                  <a16:creationId xmlns:a16="http://schemas.microsoft.com/office/drawing/2014/main" id="{231FEC77-5F70-49F0-86BC-F1C50F667B43}"/>
+                </a:ext>
+              </a:extLst>
+            </p:cNvPr>
+            <p:cNvSpPr/>
+            <p:nvPr/>
+          </p:nvSpPr>
+          <p:spPr>
+            <a:xfrm>
+              <a:off x="6898482" y="5048250"/>
+              <a:ext cx="3876675" cy="1044000"/>
+            </a:xfrm>
+            <a:prstGeom prst="roundRect">
+              <a:avLst/>
+            </a:prstGeom>
+            <a:solidFill>
+              <a:schemeClr val="tx1">
+                <a:lumMod val="50000"/>
+                <a:lumOff val="50000"/>
+              </a:schemeClr>
+            </a:solidFill>
+          </p:spPr>
+          <p:style>
+            <a:lnRef idx="2">
+              <a:schemeClr val="accent1">
+                <a:shade val="50000"/>
+              </a:schemeClr>
+            </a:lnRef>
+            <a:fillRef idx="1">
+              <a:schemeClr val="accent1"/>
+            </a:fillRef>
+            <a:effectRef idx="0">
+              <a:schemeClr val="accent1"/>
+            </a:effectRef>
+            <a:fontRef idx="minor">
+              <a:schemeClr val="lt1"/>
+            </a:fontRef>
+          </p:style>
+          <p:txBody>
+            <a:bodyPr rtlCol="0" anchor="ctr"/>
+            <a:lstStyle/>
+            <a:p>
+              <a:pPr algn="ctr"/>
+              <a:r>
+                <a:rPr lang="es-MX" sz="4400" b="1" dirty="0"/>
+                <a:t>Cancelar</a:t>
+              </a:r>
+              <a:endParaRPr lang="es-PE" sz="4400" b="1" dirty="0"/>
+            </a:p>
+          </p:txBody>
+        </p:sp>
+      </p:grpSp>
+      <p:sp>
+        <p:nvSpPr>
+          <p:cNvPr id="11" name="CuadroTexto 10">
+            <a:extLst>
+              <a:ext uri="{FF2B5EF4-FFF2-40B4-BE49-F238E27FC236}">
+                <a16:creationId xmlns:a16="http://schemas.microsoft.com/office/drawing/2014/main" id="{D36C204D-F396-4E57-80DD-32AFA7A5D88B}"/>
+              </a:ext>
+            </a:extLst>
+          </p:cNvPr>
+          <p:cNvSpPr txBox="1"/>
+          <p:nvPr/>
+        </p:nvSpPr>
+        <p:spPr>
+          <a:xfrm>
+            <a:off x="692183" y="3026665"/>
+            <a:ext cx="2967363" cy="576000"/>
+          </a:xfrm>
+          <a:prstGeom prst="rect">
+            <a:avLst/>
+          </a:prstGeom>
+          <a:noFill/>
+        </p:spPr>
+        <p:txBody>
+          <a:bodyPr wrap="square" rtlCol="0">
+            <a:spAutoFit/>
+          </a:bodyPr>
+          <a:lstStyle/>
+          <a:p>
+            <a:r>
+              <a:rPr lang="es-MX" sz="2800" dirty="0">
+                <a:solidFill>
+                  <a:schemeClr val="tx1">
+                    <a:lumMod val="65000"/>
+                    <a:lumOff val="35000"/>
+                  </a:schemeClr>
+                </a:solidFill>
+              </a:rPr>
+              <a:t>Automóvil</a:t>
+            </a:r>
+            <a:endParaRPr lang="es-PE" sz="2800" dirty="0">
+              <a:solidFill>
+                <a:schemeClr val="tx1">
+                  <a:lumMod val="65000"/>
+                  <a:lumOff val="35000"/>
+                </a:schemeClr>
+              </a:solidFill>
+            </a:endParaRPr>
+          </a:p>
+        </p:txBody>
+      </p:sp>
+      <p:sp>
+        <p:nvSpPr>
+          <p:cNvPr id="13" name="CuadroTexto 12">
+            <a:extLst>
+              <a:ext uri="{FF2B5EF4-FFF2-40B4-BE49-F238E27FC236}">
+                <a16:creationId xmlns:a16="http://schemas.microsoft.com/office/drawing/2014/main" id="{6DCC8C72-DF17-4299-AEF2-0C836F07F214}"/>
+              </a:ext>
+            </a:extLst>
+          </p:cNvPr>
+          <p:cNvSpPr txBox="1"/>
+          <p:nvPr/>
+        </p:nvSpPr>
+        <p:spPr>
+          <a:xfrm>
+            <a:off x="3806137" y="3026665"/>
+            <a:ext cx="7416042" cy="576000"/>
+          </a:xfrm>
+          <a:prstGeom prst="rect">
+            <a:avLst/>
+          </a:prstGeom>
+          <a:solidFill>
+            <a:schemeClr val="bg1"/>
+          </a:solidFill>
+          <a:ln>
+            <a:solidFill>
+              <a:schemeClr val="tx2"/>
+            </a:solidFill>
+          </a:ln>
+        </p:spPr>
+        <p:txBody>
+          <a:bodyPr wrap="square" rtlCol="0">
+            <a:spAutoFit/>
+          </a:bodyPr>
+          <a:lstStyle/>
+          <a:p>
+            <a:r>
+              <a:rPr lang="es-MX" sz="2800" dirty="0">
+                <a:solidFill>
+                  <a:schemeClr val="bg2">
+                    <a:lumMod val="50000"/>
+                  </a:schemeClr>
+                </a:solidFill>
+              </a:rPr>
+              <a:t>ER78B9 - Aventurero</a:t>
+            </a:r>
+            <a:endParaRPr lang="es-PE" sz="2800" dirty="0">
+              <a:solidFill>
+                <a:schemeClr val="bg2">
+                  <a:lumMod val="50000"/>
+                </a:schemeClr>
+              </a:solidFill>
+            </a:endParaRPr>
+          </a:p>
+        </p:txBody>
+      </p:sp>
+      <p:sp>
+        <p:nvSpPr>
+          <p:cNvPr id="14" name="CuadroTexto 13">
+            <a:extLst>
+              <a:ext uri="{FF2B5EF4-FFF2-40B4-BE49-F238E27FC236}">
+                <a16:creationId xmlns:a16="http://schemas.microsoft.com/office/drawing/2014/main" id="{D8D7025A-B374-4891-84D3-7698BAF4A0EE}"/>
+              </a:ext>
+            </a:extLst>
+          </p:cNvPr>
+          <p:cNvSpPr txBox="1"/>
+          <p:nvPr/>
+        </p:nvSpPr>
+        <p:spPr>
+          <a:xfrm>
+            <a:off x="692183" y="3764938"/>
+            <a:ext cx="2967363" cy="576000"/>
+          </a:xfrm>
+          <a:prstGeom prst="rect">
+            <a:avLst/>
+          </a:prstGeom>
+          <a:noFill/>
+        </p:spPr>
+        <p:txBody>
+          <a:bodyPr wrap="square" rtlCol="0">
+            <a:spAutoFit/>
+          </a:bodyPr>
+          <a:lstStyle/>
+          <a:p>
+            <a:r>
+              <a:rPr lang="es-MX" sz="2800" dirty="0">
+                <a:solidFill>
+                  <a:schemeClr val="tx1">
+                    <a:lumMod val="65000"/>
+                    <a:lumOff val="35000"/>
+                  </a:schemeClr>
+                </a:solidFill>
+              </a:rPr>
+              <a:t>Color</a:t>
+            </a:r>
+            <a:endParaRPr lang="es-PE" sz="2800" dirty="0">
+              <a:solidFill>
+                <a:schemeClr val="tx1">
+                  <a:lumMod val="65000"/>
+                  <a:lumOff val="35000"/>
+                </a:schemeClr>
+              </a:solidFill>
+            </a:endParaRPr>
+          </a:p>
+        </p:txBody>
+      </p:sp>
+      <p:sp>
+        <p:nvSpPr>
+          <p:cNvPr id="15" name="CuadroTexto 14">
+            <a:extLst>
+              <a:ext uri="{FF2B5EF4-FFF2-40B4-BE49-F238E27FC236}">
+                <a16:creationId xmlns:a16="http://schemas.microsoft.com/office/drawing/2014/main" id="{FC6CA7BA-C953-43E4-B3BC-7EDBAE4BD4BE}"/>
+              </a:ext>
+            </a:extLst>
+          </p:cNvPr>
+          <p:cNvSpPr txBox="1"/>
+          <p:nvPr/>
+        </p:nvSpPr>
+        <p:spPr>
+          <a:xfrm>
+            <a:off x="3806137" y="3764938"/>
+            <a:ext cx="7416042" cy="576000"/>
+          </a:xfrm>
+          <a:prstGeom prst="rect">
+            <a:avLst/>
+          </a:prstGeom>
+          <a:solidFill>
+            <a:schemeClr val="accent4">
+              <a:lumMod val="20000"/>
+              <a:lumOff val="80000"/>
+            </a:schemeClr>
+          </a:solidFill>
+          <a:ln>
+            <a:solidFill>
+              <a:schemeClr val="tx2"/>
+            </a:solidFill>
+          </a:ln>
+        </p:spPr>
+        <p:txBody>
+          <a:bodyPr wrap="square" rtlCol="0">
+            <a:spAutoFit/>
+          </a:bodyPr>
+          <a:lstStyle/>
+          <a:p>
+            <a:r>
+              <a:rPr lang="es-MX" sz="2800" dirty="0">
+                <a:solidFill>
+                  <a:schemeClr val="tx2">
+                    <a:lumMod val="75000"/>
+                  </a:schemeClr>
+                </a:solidFill>
+              </a:rPr>
+              <a:t>Azul</a:t>
+            </a:r>
+            <a:endParaRPr lang="es-PE" sz="2800" dirty="0">
+              <a:solidFill>
+                <a:schemeClr val="tx2">
+                  <a:lumMod val="75000"/>
+                </a:schemeClr>
+              </a:solidFill>
+            </a:endParaRPr>
+          </a:p>
+        </p:txBody>
+      </p:sp>
+      <p:sp>
+        <p:nvSpPr>
+          <p:cNvPr id="16" name="CuadroTexto 15">
+            <a:extLst>
+              <a:ext uri="{FF2B5EF4-FFF2-40B4-BE49-F238E27FC236}">
+                <a16:creationId xmlns:a16="http://schemas.microsoft.com/office/drawing/2014/main" id="{9761ABBD-1BFD-4344-AA55-969639881CEE}"/>
+              </a:ext>
+            </a:extLst>
+          </p:cNvPr>
+          <p:cNvSpPr txBox="1"/>
+          <p:nvPr/>
+        </p:nvSpPr>
+        <p:spPr>
+          <a:xfrm>
+            <a:off x="692183" y="4509610"/>
+            <a:ext cx="2967363" cy="576000"/>
+          </a:xfrm>
+          <a:prstGeom prst="rect">
+            <a:avLst/>
+          </a:prstGeom>
+          <a:noFill/>
+        </p:spPr>
+        <p:txBody>
+          <a:bodyPr wrap="square" rtlCol="0">
+            <a:spAutoFit/>
+          </a:bodyPr>
+          <a:lstStyle/>
+          <a:p>
+            <a:r>
+              <a:rPr lang="es-MX" sz="2800" dirty="0">
+                <a:solidFill>
+                  <a:schemeClr val="tx1">
+                    <a:lumMod val="65000"/>
+                    <a:lumOff val="35000"/>
+                  </a:schemeClr>
+                </a:solidFill>
+              </a:rPr>
+              <a:t>Precio</a:t>
+            </a:r>
+            <a:endParaRPr lang="es-PE" sz="2800" dirty="0">
+              <a:solidFill>
+                <a:schemeClr val="tx1">
+                  <a:lumMod val="65000"/>
+                  <a:lumOff val="35000"/>
+                </a:schemeClr>
+              </a:solidFill>
+            </a:endParaRPr>
+          </a:p>
+        </p:txBody>
+      </p:sp>
+      <p:sp>
+        <p:nvSpPr>
+          <p:cNvPr id="17" name="CuadroTexto 16">
+            <a:extLst>
+              <a:ext uri="{FF2B5EF4-FFF2-40B4-BE49-F238E27FC236}">
+                <a16:creationId xmlns:a16="http://schemas.microsoft.com/office/drawing/2014/main" id="{FF1A8D8C-34DC-4CB0-B4F0-E7789AB8FBFF}"/>
+              </a:ext>
+            </a:extLst>
+          </p:cNvPr>
+          <p:cNvSpPr txBox="1"/>
+          <p:nvPr/>
+        </p:nvSpPr>
+        <p:spPr>
+          <a:xfrm>
+            <a:off x="3806137" y="4509610"/>
+            <a:ext cx="7416042" cy="576000"/>
+          </a:xfrm>
+          <a:prstGeom prst="rect">
+            <a:avLst/>
+          </a:prstGeom>
+          <a:solidFill>
+            <a:schemeClr val="accent4">
+              <a:lumMod val="20000"/>
+              <a:lumOff val="80000"/>
+            </a:schemeClr>
+          </a:solidFill>
+          <a:ln>
+            <a:solidFill>
+              <a:schemeClr val="tx2"/>
+            </a:solidFill>
+          </a:ln>
+        </p:spPr>
+        <p:txBody>
+          <a:bodyPr wrap="square" rtlCol="0">
+            <a:spAutoFit/>
+          </a:bodyPr>
+          <a:lstStyle/>
+          <a:p>
+            <a:r>
+              <a:rPr lang="es-MX" sz="2800" dirty="0">
+                <a:solidFill>
+                  <a:schemeClr val="tx2">
+                    <a:lumMod val="75000"/>
+                  </a:schemeClr>
+                </a:solidFill>
+              </a:rPr>
+              <a:t>30,000.00</a:t>
+            </a:r>
+            <a:endParaRPr lang="es-PE" sz="2800" dirty="0">
+              <a:solidFill>
+                <a:schemeClr val="tx2">
+                  <a:lumMod val="75000"/>
+                </a:schemeClr>
+              </a:solidFill>
+            </a:endParaRPr>
+          </a:p>
+        </p:txBody>
+      </p:sp>
+      <p:sp>
+        <p:nvSpPr>
+          <p:cNvPr id="18" name="CuadroTexto 17">
+            <a:extLst>
+              <a:ext uri="{FF2B5EF4-FFF2-40B4-BE49-F238E27FC236}">
+                <a16:creationId xmlns:a16="http://schemas.microsoft.com/office/drawing/2014/main" id="{44F039E2-78D6-4656-8B6E-7B999139CA35}"/>
+              </a:ext>
+            </a:extLst>
+          </p:cNvPr>
+          <p:cNvSpPr txBox="1"/>
+          <p:nvPr/>
+        </p:nvSpPr>
+        <p:spPr>
+          <a:xfrm>
+            <a:off x="11600872" y="114223"/>
+            <a:ext cx="423708" cy="461665"/>
+          </a:xfrm>
+          <a:prstGeom prst="rect">
+            <a:avLst/>
+          </a:prstGeom>
+          <a:noFill/>
+          <a:ln>
+            <a:solidFill>
+              <a:schemeClr val="accent3"/>
+            </a:solidFill>
+          </a:ln>
+        </p:spPr>
+        <p:txBody>
+          <a:bodyPr wrap="square" rtlCol="0">
+            <a:spAutoFit/>
+          </a:bodyPr>
+          <a:lstStyle/>
+          <a:p>
+            <a:pPr algn="ctr"/>
+            <a:r>
+              <a:rPr lang="es-MX" sz="2400" dirty="0">
+                <a:solidFill>
+                  <a:schemeClr val="bg1">
+                    <a:lumMod val="95000"/>
+                  </a:schemeClr>
+                </a:solidFill>
+                <a:latin typeface="Lucida Console" panose="020B0609040504020204" pitchFamily="49" charset="0"/>
+              </a:rPr>
+              <a:t>X</a:t>
+            </a:r>
+            <a:endParaRPr lang="es-PE" sz="2400" dirty="0">
+              <a:solidFill>
+                <a:schemeClr val="bg1">
+                  <a:lumMod val="95000"/>
+                </a:schemeClr>
+              </a:solidFill>
+              <a:latin typeface="Lucida Console" panose="020B0609040504020204" pitchFamily="49" charset="0"/>
+            </a:endParaRPr>
+          </a:p>
+        </p:txBody>
+      </p:sp>
+      <p:sp>
+        <p:nvSpPr>
+          <p:cNvPr id="2" name="Triángulo isósceles 1">
+            <a:extLst>
+              <a:ext uri="{FF2B5EF4-FFF2-40B4-BE49-F238E27FC236}">
+                <a16:creationId xmlns:a16="http://schemas.microsoft.com/office/drawing/2014/main" id="{810A1C1B-A7B6-48DE-8D45-9238A2B0ED2A}"/>
+              </a:ext>
+            </a:extLst>
+          </p:cNvPr>
+          <p:cNvSpPr/>
+          <p:nvPr/>
+        </p:nvSpPr>
+        <p:spPr>
+          <a:xfrm rot="10800000">
+            <a:off x="10450943" y="1649067"/>
+            <a:ext cx="637202" cy="418644"/>
+          </a:xfrm>
+          <a:prstGeom prst="triangle">
+            <a:avLst/>
+          </a:prstGeom>
+          <a:solidFill>
+            <a:schemeClr val="accent4">
+              <a:lumMod val="50000"/>
+            </a:schemeClr>
+          </a:solidFill>
+        </p:spPr>
+        <p:style>
+          <a:lnRef idx="2">
+            <a:schemeClr val="accent1">
+              <a:shade val="50000"/>
+            </a:schemeClr>
+          </a:lnRef>
+          <a:fillRef idx="1">
+            <a:schemeClr val="accent1"/>
+          </a:fillRef>
+          <a:effectRef idx="0">
+            <a:schemeClr val="accent1"/>
+          </a:effectRef>
+          <a:fontRef idx="minor">
+            <a:schemeClr val="lt1"/>
+          </a:fontRef>
+        </p:style>
+        <p:txBody>
+          <a:bodyPr rtlCol="0" anchor="ctr"/>
+          <a:lstStyle/>
+          <a:p>
+            <a:pPr algn="ctr"/>
+            <a:endParaRPr lang="es-PE"/>
+          </a:p>
+        </p:txBody>
+      </p:sp>
+      <p:sp>
+        <p:nvSpPr>
+          <p:cNvPr id="19" name="Triángulo isósceles 18">
+            <a:extLst>
+              <a:ext uri="{FF2B5EF4-FFF2-40B4-BE49-F238E27FC236}">
+                <a16:creationId xmlns:a16="http://schemas.microsoft.com/office/drawing/2014/main" id="{828BC19E-0B02-47B2-BB35-9AE2CB4865F4}"/>
+              </a:ext>
+            </a:extLst>
+          </p:cNvPr>
+          <p:cNvSpPr/>
+          <p:nvPr/>
+        </p:nvSpPr>
+        <p:spPr>
+          <a:xfrm rot="10800000">
+            <a:off x="10450943" y="2399948"/>
+            <a:ext cx="637202" cy="418644"/>
+          </a:xfrm>
+          <a:prstGeom prst="triangle">
+            <a:avLst/>
+          </a:prstGeom>
+          <a:solidFill>
+            <a:schemeClr val="accent4">
+              <a:lumMod val="50000"/>
+            </a:schemeClr>
+          </a:solidFill>
+        </p:spPr>
+        <p:style>
+          <a:lnRef idx="2">
+            <a:schemeClr val="accent1">
+              <a:shade val="50000"/>
+            </a:schemeClr>
+          </a:lnRef>
+          <a:fillRef idx="1">
+            <a:schemeClr val="accent1"/>
+          </a:fillRef>
+          <a:effectRef idx="0">
+            <a:schemeClr val="accent1"/>
+          </a:effectRef>
+          <a:fontRef idx="minor">
+            <a:schemeClr val="lt1"/>
+          </a:fontRef>
+        </p:style>
+        <p:txBody>
+          <a:bodyPr rtlCol="0" anchor="ctr"/>
+          <a:lstStyle/>
+          <a:p>
+            <a:pPr algn="ctr"/>
+            <a:endParaRPr lang="es-PE"/>
+          </a:p>
+        </p:txBody>
+      </p:sp>
+      <p:sp>
+        <p:nvSpPr>
+          <p:cNvPr id="20" name="Triángulo isósceles 19">
+            <a:extLst>
+              <a:ext uri="{FF2B5EF4-FFF2-40B4-BE49-F238E27FC236}">
+                <a16:creationId xmlns:a16="http://schemas.microsoft.com/office/drawing/2014/main" id="{8AD7CF45-E5D7-41DC-9A37-DF2A051A47E3}"/>
+              </a:ext>
+            </a:extLst>
+          </p:cNvPr>
+          <p:cNvSpPr/>
+          <p:nvPr/>
+        </p:nvSpPr>
+        <p:spPr>
+          <a:xfrm rot="10800000">
+            <a:off x="10450943" y="3105343"/>
+            <a:ext cx="637202" cy="418644"/>
+          </a:xfrm>
+          <a:prstGeom prst="triangle">
+            <a:avLst/>
+          </a:prstGeom>
+          <a:solidFill>
+            <a:schemeClr val="accent4">
+              <a:lumMod val="50000"/>
+            </a:schemeClr>
+          </a:solidFill>
+        </p:spPr>
+        <p:style>
+          <a:lnRef idx="2">
+            <a:schemeClr val="accent1">
+              <a:shade val="50000"/>
+            </a:schemeClr>
+          </a:lnRef>
+          <a:fillRef idx="1">
+            <a:schemeClr val="accent1"/>
+          </a:fillRef>
+          <a:effectRef idx="0">
+            <a:schemeClr val="accent1"/>
+          </a:effectRef>
+          <a:fontRef idx="minor">
+            <a:schemeClr val="lt1"/>
+          </a:fontRef>
+        </p:style>
+        <p:txBody>
+          <a:bodyPr rtlCol="0" anchor="ctr"/>
+          <a:lstStyle/>
+          <a:p>
+            <a:pPr algn="ctr"/>
+            <a:endParaRPr lang="es-PE"/>
+          </a:p>
+        </p:txBody>
+      </p:sp>
+      <p:sp>
+        <p:nvSpPr>
+          <p:cNvPr id="21" name="CuadroTexto 20">
+            <a:extLst>
+              <a:ext uri="{FF2B5EF4-FFF2-40B4-BE49-F238E27FC236}">
+                <a16:creationId xmlns:a16="http://schemas.microsoft.com/office/drawing/2014/main" id="{EA60F375-43DE-4692-8956-EA1793D94562}"/>
+              </a:ext>
+            </a:extLst>
+          </p:cNvPr>
+          <p:cNvSpPr txBox="1"/>
+          <p:nvPr/>
+        </p:nvSpPr>
+        <p:spPr>
+          <a:xfrm>
+            <a:off x="692183" y="832416"/>
+            <a:ext cx="2967363" cy="576000"/>
+          </a:xfrm>
+          <a:prstGeom prst="rect">
+            <a:avLst/>
+          </a:prstGeom>
+          <a:noFill/>
+        </p:spPr>
+        <p:txBody>
+          <a:bodyPr wrap="square" rtlCol="0">
+            <a:spAutoFit/>
+          </a:bodyPr>
+          <a:lstStyle/>
+          <a:p>
+            <a:r>
+              <a:rPr lang="es-MX" sz="2800" dirty="0">
+                <a:solidFill>
+                  <a:schemeClr val="tx1">
+                    <a:lumMod val="65000"/>
+                    <a:lumOff val="35000"/>
+                  </a:schemeClr>
+                </a:solidFill>
+              </a:rPr>
+              <a:t>Empleado</a:t>
+            </a:r>
+            <a:endParaRPr lang="es-PE" sz="2800" dirty="0">
+              <a:solidFill>
+                <a:schemeClr val="tx1">
+                  <a:lumMod val="65000"/>
+                  <a:lumOff val="35000"/>
+                </a:schemeClr>
+              </a:solidFill>
+            </a:endParaRPr>
+          </a:p>
+        </p:txBody>
+      </p:sp>
+      <p:sp>
+        <p:nvSpPr>
+          <p:cNvPr id="22" name="CuadroTexto 21">
+            <a:extLst>
+              <a:ext uri="{FF2B5EF4-FFF2-40B4-BE49-F238E27FC236}">
+                <a16:creationId xmlns:a16="http://schemas.microsoft.com/office/drawing/2014/main" id="{5089E0ED-55F2-4199-8097-2AF3AC5796F3}"/>
+              </a:ext>
+            </a:extLst>
+          </p:cNvPr>
+          <p:cNvSpPr txBox="1"/>
+          <p:nvPr/>
+        </p:nvSpPr>
+        <p:spPr>
+          <a:xfrm>
+            <a:off x="3806137" y="832416"/>
+            <a:ext cx="7416042" cy="576000"/>
+          </a:xfrm>
+          <a:prstGeom prst="rect">
+            <a:avLst/>
+          </a:prstGeom>
+          <a:solidFill>
+            <a:schemeClr val="accent4">
+              <a:lumMod val="20000"/>
+              <a:lumOff val="80000"/>
+            </a:schemeClr>
+          </a:solidFill>
+          <a:ln>
+            <a:solidFill>
+              <a:schemeClr val="tx2"/>
+            </a:solidFill>
+          </a:ln>
+        </p:spPr>
+        <p:txBody>
+          <a:bodyPr wrap="square" rtlCol="0">
+            <a:spAutoFit/>
+          </a:bodyPr>
+          <a:lstStyle/>
+          <a:p>
+            <a:r>
+              <a:rPr lang="es-MX" sz="2800" dirty="0">
+                <a:solidFill>
+                  <a:schemeClr val="tx2">
+                    <a:lumMod val="75000"/>
+                  </a:schemeClr>
+                </a:solidFill>
+              </a:rPr>
+              <a:t>Juan </a:t>
+            </a:r>
+            <a:r>
+              <a:rPr lang="es-MX" sz="2800" dirty="0" err="1">
+                <a:solidFill>
+                  <a:schemeClr val="tx2">
+                    <a:lumMod val="75000"/>
+                  </a:schemeClr>
+                </a:solidFill>
+              </a:rPr>
+              <a:t>Perez</a:t>
+            </a:r>
+            <a:endParaRPr lang="es-PE" sz="2800" dirty="0">
+              <a:solidFill>
+                <a:schemeClr val="tx2">
+                  <a:lumMod val="75000"/>
+                </a:schemeClr>
+              </a:solidFill>
+            </a:endParaRPr>
+          </a:p>
+        </p:txBody>
+      </p:sp>
+    </p:spTree>
+    <p:extLst>
+      <p:ext uri="{BB962C8B-B14F-4D97-AF65-F5344CB8AC3E}">
+        <p14:creationId xmlns:p14="http://schemas.microsoft.com/office/powerpoint/2010/main" val="3751034781"/>
+      </p:ext>
+    </p:extLst>
+  </p:cSld>
+  <p:clrMapOvr>
+    <a:masterClrMapping/>
+  </p:clrMapOvr>
+</p:sld>
+</file>
+
+<file path=ppt/slides/slide4.xml><?xml version="1.0" encoding="utf-8"?>
+<p:sld xmlns:a="http://schemas.openxmlformats.org/drawingml/2006/main" xmlns:r="http://schemas.openxmlformats.org/officeDocument/2006/relationships" xmlns:p="http://schemas.openxmlformats.org/presentationml/2006/main">
+  <p:cSld>
+    <p:bg>
+      <p:bgPr>
+        <a:solidFill>
+          <a:schemeClr val="accent5">
+            <a:lumMod val="20000"/>
+            <a:lumOff val="80000"/>
+          </a:schemeClr>
+        </a:solidFill>
+        <a:effectLst/>
+      </p:bgPr>
+    </p:bg>
+    <p:spTree>
+      <p:nvGrpSpPr>
+        <p:cNvPr id="1" name=""/>
+        <p:cNvGrpSpPr/>
+        <p:nvPr/>
+      </p:nvGrpSpPr>
+      <p:grpSpPr>
+        <a:xfrm>
+          <a:off x="0" y="0"/>
+          <a:ext cx="0" cy="0"/>
+          <a:chOff x="0" y="0"/>
+          <a:chExt cx="0" cy="0"/>
+        </a:xfrm>
+      </p:grpSpPr>
+      <p:sp>
+        <p:nvSpPr>
+          <p:cNvPr id="37" name="Rectángulo 36">
+            <a:extLst>
+              <a:ext uri="{FF2B5EF4-FFF2-40B4-BE49-F238E27FC236}">
+                <a16:creationId xmlns:a16="http://schemas.microsoft.com/office/drawing/2014/main" id="{73069A36-A620-4C09-9477-49FEB48707AD}"/>
+              </a:ext>
+            </a:extLst>
+          </p:cNvPr>
+          <p:cNvSpPr/>
+          <p:nvPr/>
+        </p:nvSpPr>
+        <p:spPr>
+          <a:xfrm>
+            <a:off x="772136" y="1685925"/>
+            <a:ext cx="10238764" cy="864000"/>
+          </a:xfrm>
+          <a:prstGeom prst="rect">
+            <a:avLst/>
+          </a:prstGeom>
+          <a:solidFill>
+            <a:schemeClr val="accent3">
+              <a:lumMod val="20000"/>
+              <a:lumOff val="80000"/>
+            </a:schemeClr>
+          </a:solidFill>
+        </p:spPr>
+        <p:style>
+          <a:lnRef idx="2">
+            <a:schemeClr val="accent1">
+              <a:shade val="50000"/>
+            </a:schemeClr>
+          </a:lnRef>
+          <a:fillRef idx="1">
+            <a:schemeClr val="accent1"/>
+          </a:fillRef>
+          <a:effectRef idx="0">
+            <a:schemeClr val="accent1"/>
+          </a:effectRef>
+          <a:fontRef idx="minor">
+            <a:schemeClr val="lt1"/>
+          </a:fontRef>
+        </p:style>
+        <p:txBody>
+          <a:bodyPr rtlCol="0" anchor="ctr"/>
+          <a:lstStyle/>
+          <a:p>
+            <a:pPr algn="ctr"/>
+            <a:endParaRPr lang="es-PE">
+              <a:solidFill>
+                <a:schemeClr val="accent6">
+                  <a:lumMod val="20000"/>
+                  <a:lumOff val="80000"/>
+                </a:schemeClr>
+              </a:solidFill>
+            </a:endParaRPr>
+          </a:p>
+        </p:txBody>
+      </p:sp>
+      <p:sp>
+        <p:nvSpPr>
+          <p:cNvPr id="4" name="Rectángulo 3">
+            <a:extLst>
+              <a:ext uri="{FF2B5EF4-FFF2-40B4-BE49-F238E27FC236}">
+                <a16:creationId xmlns:a16="http://schemas.microsoft.com/office/drawing/2014/main" id="{BFF0040E-4244-465E-94E7-8D6B7FC7AE4D}"/>
+              </a:ext>
+            </a:extLst>
+          </p:cNvPr>
+          <p:cNvSpPr/>
+          <p:nvPr/>
+        </p:nvSpPr>
+        <p:spPr>
+          <a:xfrm>
+            <a:off x="0" y="0"/>
+            <a:ext cx="12192000" cy="690113"/>
+          </a:xfrm>
+          <a:prstGeom prst="rect">
+            <a:avLst/>
+          </a:prstGeom>
+        </p:spPr>
+        <p:style>
+          <a:lnRef idx="2">
+            <a:schemeClr val="accent1">
+              <a:shade val="50000"/>
+            </a:schemeClr>
+          </a:lnRef>
+          <a:fillRef idx="1">
+            <a:schemeClr val="accent1"/>
+          </a:fillRef>
+          <a:effectRef idx="0">
+            <a:schemeClr val="accent1"/>
+          </a:effectRef>
+          <a:fontRef idx="minor">
+            <a:schemeClr val="lt1"/>
+          </a:fontRef>
+        </p:style>
+        <p:txBody>
+          <a:bodyPr lIns="288000" rtlCol="0" anchor="ctr"/>
+          <a:lstStyle/>
+          <a:p>
+            <a:r>
+              <a:rPr lang="es-MX" sz="3200" b="1" dirty="0">
+                <a:latin typeface="Arial" panose="020B0604020202020204" pitchFamily="34" charset="0"/>
+                <a:cs typeface="Arial" panose="020B0604020202020204" pitchFamily="34" charset="0"/>
+              </a:rPr>
+              <a:t>REGISTRAR REVISIÓN TECNICA</a:t>
+            </a:r>
+            <a:endParaRPr lang="es-PE" sz="3200" b="1" dirty="0">
+              <a:latin typeface="Arial" panose="020B0604020202020204" pitchFamily="34" charset="0"/>
+              <a:cs typeface="Arial" panose="020B0604020202020204" pitchFamily="34" charset="0"/>
+            </a:endParaRPr>
+          </a:p>
+        </p:txBody>
+      </p:sp>
+      <p:sp>
+        <p:nvSpPr>
+          <p:cNvPr id="6" name="CuadroTexto 5">
+            <a:extLst>
+              <a:ext uri="{FF2B5EF4-FFF2-40B4-BE49-F238E27FC236}">
+                <a16:creationId xmlns:a16="http://schemas.microsoft.com/office/drawing/2014/main" id="{DBDE8564-D6DD-4BE5-8B14-47B2305007B0}"/>
+              </a:ext>
+            </a:extLst>
+          </p:cNvPr>
+          <p:cNvSpPr txBox="1"/>
+          <p:nvPr/>
+        </p:nvSpPr>
+        <p:spPr>
+          <a:xfrm>
+            <a:off x="1764902" y="846830"/>
+            <a:ext cx="3536772" cy="369332"/>
+          </a:xfrm>
+          <a:prstGeom prst="rect">
+            <a:avLst/>
+          </a:prstGeom>
+          <a:solidFill>
+            <a:schemeClr val="bg1"/>
+          </a:solidFill>
+          <a:ln>
+            <a:solidFill>
+              <a:schemeClr val="tx2"/>
+            </a:solidFill>
+          </a:ln>
+        </p:spPr>
+        <p:txBody>
+          <a:bodyPr wrap="square" rtlCol="0">
+            <a:spAutoFit/>
+          </a:bodyPr>
+          <a:lstStyle/>
+          <a:p>
+            <a:r>
+              <a:rPr lang="es-MX" dirty="0">
+                <a:solidFill>
+                  <a:schemeClr val="bg2">
+                    <a:lumMod val="50000"/>
+                  </a:schemeClr>
+                </a:solidFill>
+                <a:latin typeface="Arial" panose="020B0604020202020204" pitchFamily="34" charset="0"/>
+                <a:cs typeface="Arial" panose="020B0604020202020204" pitchFamily="34" charset="0"/>
+              </a:rPr>
+              <a:t>Gustavo Coronel</a:t>
+            </a:r>
+            <a:endParaRPr lang="es-PE" dirty="0">
+              <a:solidFill>
+                <a:schemeClr val="bg2">
+                  <a:lumMod val="50000"/>
+                </a:schemeClr>
+              </a:solidFill>
+              <a:latin typeface="Arial" panose="020B0604020202020204" pitchFamily="34" charset="0"/>
+              <a:cs typeface="Arial" panose="020B0604020202020204" pitchFamily="34" charset="0"/>
+            </a:endParaRPr>
+          </a:p>
+        </p:txBody>
+      </p:sp>
+      <p:grpSp>
+        <p:nvGrpSpPr>
+          <p:cNvPr id="10" name="Grupo 9">
+            <a:extLst>
+              <a:ext uri="{FF2B5EF4-FFF2-40B4-BE49-F238E27FC236}">
+                <a16:creationId xmlns:a16="http://schemas.microsoft.com/office/drawing/2014/main" id="{B0B076E1-4EE5-4740-B9F4-0630270BF7F3}"/>
+              </a:ext>
+            </a:extLst>
+          </p:cNvPr>
+          <p:cNvGrpSpPr/>
+          <p:nvPr/>
+        </p:nvGrpSpPr>
+        <p:grpSpPr>
+          <a:xfrm>
+            <a:off x="2087526" y="5593476"/>
+            <a:ext cx="8146258" cy="1044000"/>
+            <a:chOff x="2628899" y="5048250"/>
+            <a:chExt cx="8146258" cy="1044000"/>
+          </a:xfrm>
+        </p:grpSpPr>
+        <p:sp>
+          <p:nvSpPr>
+            <p:cNvPr id="9" name="Rectángulo: esquinas redondeadas 8">
+              <a:extLst>
+                <a:ext uri="{FF2B5EF4-FFF2-40B4-BE49-F238E27FC236}">
+                  <a16:creationId xmlns:a16="http://schemas.microsoft.com/office/drawing/2014/main" id="{F0ADFD40-44B4-4A74-87A1-799FD7BA5C24}"/>
+                </a:ext>
+              </a:extLst>
+            </p:cNvPr>
+            <p:cNvSpPr/>
+            <p:nvPr/>
+          </p:nvSpPr>
+          <p:spPr>
+            <a:xfrm>
+              <a:off x="2628899" y="5048250"/>
+              <a:ext cx="3876675" cy="1044000"/>
+            </a:xfrm>
+            <a:prstGeom prst="roundRect">
+              <a:avLst/>
+            </a:prstGeom>
+          </p:spPr>
+          <p:style>
+            <a:lnRef idx="2">
+              <a:schemeClr val="accent1">
+                <a:shade val="50000"/>
+              </a:schemeClr>
+            </a:lnRef>
+            <a:fillRef idx="1">
+              <a:schemeClr val="accent1"/>
+            </a:fillRef>
+            <a:effectRef idx="0">
+              <a:schemeClr val="accent1"/>
+            </a:effectRef>
+            <a:fontRef idx="minor">
+              <a:schemeClr val="lt1"/>
+            </a:fontRef>
+          </p:style>
+          <p:txBody>
+            <a:bodyPr rtlCol="0" anchor="ctr"/>
+            <a:lstStyle/>
+            <a:p>
+              <a:pPr algn="ctr"/>
+              <a:r>
+                <a:rPr lang="es-MX" sz="4400" b="1" dirty="0"/>
+                <a:t>Registrar</a:t>
+              </a:r>
+              <a:endParaRPr lang="es-PE" sz="4400" b="1" dirty="0"/>
+            </a:p>
+          </p:txBody>
+        </p:sp>
+        <p:sp>
+          <p:nvSpPr>
+            <p:cNvPr id="12" name="Rectángulo: esquinas redondeadas 11">
+              <a:extLst>
+                <a:ext uri="{FF2B5EF4-FFF2-40B4-BE49-F238E27FC236}">
+                  <a16:creationId xmlns:a16="http://schemas.microsoft.com/office/drawing/2014/main" id="{231FEC77-5F70-49F0-86BC-F1C50F667B43}"/>
+                </a:ext>
+              </a:extLst>
+            </p:cNvPr>
+            <p:cNvSpPr/>
+            <p:nvPr/>
+          </p:nvSpPr>
+          <p:spPr>
+            <a:xfrm>
+              <a:off x="6898482" y="5048250"/>
+              <a:ext cx="3876675" cy="1044000"/>
+            </a:xfrm>
+            <a:prstGeom prst="roundRect">
+              <a:avLst/>
+            </a:prstGeom>
+            <a:solidFill>
+              <a:schemeClr val="tx1">
+                <a:lumMod val="50000"/>
+                <a:lumOff val="50000"/>
+              </a:schemeClr>
+            </a:solidFill>
+          </p:spPr>
+          <p:style>
+            <a:lnRef idx="2">
+              <a:schemeClr val="accent1">
+                <a:shade val="50000"/>
+              </a:schemeClr>
+            </a:lnRef>
+            <a:fillRef idx="1">
+              <a:schemeClr val="accent1"/>
+            </a:fillRef>
+            <a:effectRef idx="0">
+              <a:schemeClr val="accent1"/>
+            </a:effectRef>
+            <a:fontRef idx="minor">
+              <a:schemeClr val="lt1"/>
+            </a:fontRef>
+          </p:style>
+          <p:txBody>
+            <a:bodyPr rtlCol="0" anchor="ctr"/>
+            <a:lstStyle/>
+            <a:p>
+              <a:pPr algn="ctr"/>
+              <a:r>
+                <a:rPr lang="es-MX" sz="4400" b="1" dirty="0"/>
+                <a:t>Cancelar</a:t>
+              </a:r>
+              <a:endParaRPr lang="es-PE" sz="4400" b="1" dirty="0"/>
+            </a:p>
+          </p:txBody>
+        </p:sp>
+      </p:grpSp>
+      <p:sp>
+        <p:nvSpPr>
+          <p:cNvPr id="18" name="CuadroTexto 17">
+            <a:extLst>
+              <a:ext uri="{FF2B5EF4-FFF2-40B4-BE49-F238E27FC236}">
+                <a16:creationId xmlns:a16="http://schemas.microsoft.com/office/drawing/2014/main" id="{44F039E2-78D6-4656-8B6E-7B999139CA35}"/>
+              </a:ext>
+            </a:extLst>
+          </p:cNvPr>
+          <p:cNvSpPr txBox="1"/>
+          <p:nvPr/>
+        </p:nvSpPr>
+        <p:spPr>
+          <a:xfrm>
+            <a:off x="11600872" y="114223"/>
+            <a:ext cx="423708" cy="461665"/>
+          </a:xfrm>
+          <a:prstGeom prst="rect">
+            <a:avLst/>
+          </a:prstGeom>
+          <a:noFill/>
+          <a:ln>
+            <a:solidFill>
+              <a:schemeClr val="accent3"/>
+            </a:solidFill>
+          </a:ln>
+        </p:spPr>
+        <p:txBody>
+          <a:bodyPr wrap="square" rtlCol="0">
+            <a:spAutoFit/>
+          </a:bodyPr>
+          <a:lstStyle/>
+          <a:p>
+            <a:pPr algn="ctr"/>
+            <a:r>
+              <a:rPr lang="es-MX" sz="2400" dirty="0">
+                <a:solidFill>
+                  <a:schemeClr val="bg1">
+                    <a:lumMod val="95000"/>
+                  </a:schemeClr>
+                </a:solidFill>
+                <a:latin typeface="Lucida Console" panose="020B0609040504020204" pitchFamily="49" charset="0"/>
+              </a:rPr>
+              <a:t>X</a:t>
+            </a:r>
+            <a:endParaRPr lang="es-PE" sz="2400" dirty="0">
+              <a:solidFill>
+                <a:schemeClr val="bg1">
+                  <a:lumMod val="95000"/>
+                </a:schemeClr>
+              </a:solidFill>
+              <a:latin typeface="Lucida Console" panose="020B0609040504020204" pitchFamily="49" charset="0"/>
+            </a:endParaRPr>
+          </a:p>
+        </p:txBody>
+      </p:sp>
+      <p:sp>
+        <p:nvSpPr>
+          <p:cNvPr id="2" name="Triángulo isósceles 1">
+            <a:extLst>
+              <a:ext uri="{FF2B5EF4-FFF2-40B4-BE49-F238E27FC236}">
+                <a16:creationId xmlns:a16="http://schemas.microsoft.com/office/drawing/2014/main" id="{810A1C1B-A7B6-48DE-8D45-9238A2B0ED2A}"/>
+              </a:ext>
+            </a:extLst>
+          </p:cNvPr>
+          <p:cNvSpPr/>
+          <p:nvPr/>
+        </p:nvSpPr>
+        <p:spPr>
+          <a:xfrm rot="10800000">
+            <a:off x="4823923" y="926452"/>
+            <a:ext cx="339204" cy="210087"/>
+          </a:xfrm>
+          <a:prstGeom prst="triangle">
+            <a:avLst/>
+          </a:prstGeom>
+          <a:solidFill>
+            <a:schemeClr val="accent4">
+              <a:lumMod val="50000"/>
+            </a:schemeClr>
+          </a:solidFill>
+        </p:spPr>
+        <p:style>
+          <a:lnRef idx="2">
+            <a:schemeClr val="accent1">
+              <a:shade val="50000"/>
+            </a:schemeClr>
+          </a:lnRef>
+          <a:fillRef idx="1">
+            <a:schemeClr val="accent1"/>
+          </a:fillRef>
+          <a:effectRef idx="0">
+            <a:schemeClr val="accent1"/>
+          </a:effectRef>
+          <a:fontRef idx="minor">
+            <a:schemeClr val="lt1"/>
+          </a:fontRef>
+        </p:style>
+        <p:txBody>
+          <a:bodyPr rtlCol="0" anchor="ctr"/>
+          <a:lstStyle/>
+          <a:p>
+            <a:pPr algn="ctr"/>
+            <a:endParaRPr lang="es-PE"/>
+          </a:p>
+        </p:txBody>
+      </p:sp>
+      <p:sp>
+        <p:nvSpPr>
+          <p:cNvPr id="21" name="CuadroTexto 20">
+            <a:extLst>
+              <a:ext uri="{FF2B5EF4-FFF2-40B4-BE49-F238E27FC236}">
+                <a16:creationId xmlns:a16="http://schemas.microsoft.com/office/drawing/2014/main" id="{EA60F375-43DE-4692-8956-EA1793D94562}"/>
+              </a:ext>
+            </a:extLst>
+          </p:cNvPr>
+          <p:cNvSpPr txBox="1"/>
+          <p:nvPr/>
+        </p:nvSpPr>
+        <p:spPr>
+          <a:xfrm>
+            <a:off x="572111" y="852386"/>
+            <a:ext cx="1054244" cy="369332"/>
+          </a:xfrm>
+          <a:prstGeom prst="rect">
+            <a:avLst/>
+          </a:prstGeom>
+          <a:noFill/>
+        </p:spPr>
+        <p:txBody>
+          <a:bodyPr wrap="square" rtlCol="0">
+            <a:spAutoFit/>
+          </a:bodyPr>
+          <a:lstStyle/>
+          <a:p>
+            <a:r>
+              <a:rPr lang="es-MX" dirty="0">
+                <a:solidFill>
+                  <a:schemeClr val="tx1">
+                    <a:lumMod val="65000"/>
+                    <a:lumOff val="35000"/>
+                  </a:schemeClr>
+                </a:solidFill>
+                <a:latin typeface="Arial" panose="020B0604020202020204" pitchFamily="34" charset="0"/>
+                <a:cs typeface="Arial" panose="020B0604020202020204" pitchFamily="34" charset="0"/>
+              </a:rPr>
+              <a:t>Cliente:</a:t>
+            </a:r>
+            <a:endParaRPr lang="es-PE" dirty="0">
+              <a:solidFill>
+                <a:schemeClr val="tx1">
+                  <a:lumMod val="65000"/>
+                  <a:lumOff val="35000"/>
+                </a:schemeClr>
+              </a:solidFill>
+              <a:latin typeface="Arial" panose="020B0604020202020204" pitchFamily="34" charset="0"/>
+              <a:cs typeface="Arial" panose="020B0604020202020204" pitchFamily="34" charset="0"/>
+            </a:endParaRPr>
+          </a:p>
+        </p:txBody>
+      </p:sp>
+      <p:sp>
+        <p:nvSpPr>
+          <p:cNvPr id="23" name="CuadroTexto 22">
+            <a:extLst>
+              <a:ext uri="{FF2B5EF4-FFF2-40B4-BE49-F238E27FC236}">
+                <a16:creationId xmlns:a16="http://schemas.microsoft.com/office/drawing/2014/main" id="{F91A3109-5A92-413B-851D-FFC7C0866B03}"/>
+              </a:ext>
+            </a:extLst>
+          </p:cNvPr>
+          <p:cNvSpPr txBox="1"/>
+          <p:nvPr/>
+        </p:nvSpPr>
+        <p:spPr>
+          <a:xfrm>
+            <a:off x="7717627" y="846270"/>
+            <a:ext cx="3536772" cy="369332"/>
+          </a:xfrm>
+          <a:prstGeom prst="rect">
+            <a:avLst/>
+          </a:prstGeom>
+          <a:solidFill>
+            <a:schemeClr val="bg1"/>
+          </a:solidFill>
+          <a:ln>
+            <a:solidFill>
+              <a:schemeClr val="tx2"/>
+            </a:solidFill>
+          </a:ln>
+        </p:spPr>
+        <p:txBody>
+          <a:bodyPr wrap="square" rtlCol="0">
+            <a:spAutoFit/>
+          </a:bodyPr>
+          <a:lstStyle/>
+          <a:p>
+            <a:r>
+              <a:rPr lang="es-MX" dirty="0">
+                <a:solidFill>
+                  <a:schemeClr val="bg2">
+                    <a:lumMod val="50000"/>
+                  </a:schemeClr>
+                </a:solidFill>
+                <a:latin typeface="Arial" panose="020B0604020202020204" pitchFamily="34" charset="0"/>
+                <a:cs typeface="Arial" panose="020B0604020202020204" pitchFamily="34" charset="0"/>
+              </a:rPr>
+              <a:t>BA90RT - Aventurero</a:t>
+            </a:r>
+            <a:endParaRPr lang="es-PE" dirty="0">
+              <a:solidFill>
+                <a:schemeClr val="bg2">
+                  <a:lumMod val="50000"/>
+                </a:schemeClr>
+              </a:solidFill>
+              <a:latin typeface="Arial" panose="020B0604020202020204" pitchFamily="34" charset="0"/>
+              <a:cs typeface="Arial" panose="020B0604020202020204" pitchFamily="34" charset="0"/>
+            </a:endParaRPr>
+          </a:p>
+        </p:txBody>
+      </p:sp>
+      <p:sp>
+        <p:nvSpPr>
+          <p:cNvPr id="24" name="Triángulo isósceles 23">
+            <a:extLst>
+              <a:ext uri="{FF2B5EF4-FFF2-40B4-BE49-F238E27FC236}">
+                <a16:creationId xmlns:a16="http://schemas.microsoft.com/office/drawing/2014/main" id="{67037B58-83A9-459A-B53D-1B9A11778C33}"/>
+              </a:ext>
+            </a:extLst>
+          </p:cNvPr>
+          <p:cNvSpPr/>
+          <p:nvPr/>
+        </p:nvSpPr>
+        <p:spPr>
+          <a:xfrm rot="10800000">
+            <a:off x="10776648" y="925892"/>
+            <a:ext cx="339204" cy="210087"/>
+          </a:xfrm>
+          <a:prstGeom prst="triangle">
+            <a:avLst/>
+          </a:prstGeom>
+          <a:solidFill>
+            <a:schemeClr val="accent4">
+              <a:lumMod val="50000"/>
+            </a:schemeClr>
+          </a:solidFill>
+        </p:spPr>
+        <p:style>
+          <a:lnRef idx="2">
+            <a:schemeClr val="accent1">
+              <a:shade val="50000"/>
+            </a:schemeClr>
+          </a:lnRef>
+          <a:fillRef idx="1">
+            <a:schemeClr val="accent1"/>
+          </a:fillRef>
+          <a:effectRef idx="0">
+            <a:schemeClr val="accent1"/>
+          </a:effectRef>
+          <a:fontRef idx="minor">
+            <a:schemeClr val="lt1"/>
+          </a:fontRef>
+        </p:style>
+        <p:txBody>
+          <a:bodyPr rtlCol="0" anchor="ctr"/>
+          <a:lstStyle/>
+          <a:p>
+            <a:pPr algn="ctr"/>
+            <a:endParaRPr lang="es-PE"/>
+          </a:p>
+        </p:txBody>
+      </p:sp>
+      <p:sp>
+        <p:nvSpPr>
+          <p:cNvPr id="25" name="CuadroTexto 24">
+            <a:extLst>
+              <a:ext uri="{FF2B5EF4-FFF2-40B4-BE49-F238E27FC236}">
+                <a16:creationId xmlns:a16="http://schemas.microsoft.com/office/drawing/2014/main" id="{FF0B9101-4CDB-434B-A412-C88C3AC9F6CB}"/>
+              </a:ext>
+            </a:extLst>
+          </p:cNvPr>
+          <p:cNvSpPr txBox="1"/>
+          <p:nvPr/>
+        </p:nvSpPr>
+        <p:spPr>
+          <a:xfrm>
+            <a:off x="6130455" y="858785"/>
+            <a:ext cx="1533780" cy="369332"/>
+          </a:xfrm>
+          <a:prstGeom prst="rect">
+            <a:avLst/>
+          </a:prstGeom>
+          <a:noFill/>
+        </p:spPr>
+        <p:txBody>
+          <a:bodyPr wrap="square" rtlCol="0">
+            <a:spAutoFit/>
+          </a:bodyPr>
+          <a:lstStyle/>
+          <a:p>
+            <a:r>
+              <a:rPr lang="es-MX" dirty="0">
+                <a:solidFill>
+                  <a:schemeClr val="tx1">
+                    <a:lumMod val="65000"/>
+                    <a:lumOff val="35000"/>
+                  </a:schemeClr>
+                </a:solidFill>
+                <a:latin typeface="Arial" panose="020B0604020202020204" pitchFamily="34" charset="0"/>
+                <a:cs typeface="Arial" panose="020B0604020202020204" pitchFamily="34" charset="0"/>
+              </a:rPr>
+              <a:t>Automóvil:</a:t>
+            </a:r>
+            <a:endParaRPr lang="es-PE" dirty="0">
+              <a:solidFill>
+                <a:schemeClr val="tx1">
+                  <a:lumMod val="65000"/>
+                  <a:lumOff val="35000"/>
+                </a:schemeClr>
+              </a:solidFill>
+              <a:latin typeface="Arial" panose="020B0604020202020204" pitchFamily="34" charset="0"/>
+              <a:cs typeface="Arial" panose="020B0604020202020204" pitchFamily="34" charset="0"/>
+            </a:endParaRPr>
+          </a:p>
+        </p:txBody>
+      </p:sp>
+      <p:graphicFrame>
+        <p:nvGraphicFramePr>
+          <p:cNvPr id="3" name="Tabla 25">
+            <a:extLst>
+              <a:ext uri="{FF2B5EF4-FFF2-40B4-BE49-F238E27FC236}">
+                <a16:creationId xmlns:a16="http://schemas.microsoft.com/office/drawing/2014/main" id="{7C7A1B80-5CD2-4F43-8481-FE04C0459DCA}"/>
+              </a:ext>
+            </a:extLst>
+          </p:cNvPr>
+          <p:cNvGraphicFramePr>
+            <a:graphicFrameLocks noGrp="1"/>
+          </p:cNvGraphicFramePr>
+          <p:nvPr>
+            <p:extLst>
+              <p:ext uri="{D42A27DB-BD31-4B8C-83A1-F6EECF244321}">
+                <p14:modId xmlns:p14="http://schemas.microsoft.com/office/powerpoint/2010/main" val="2477725520"/>
+              </p:ext>
+            </p:extLst>
+          </p:nvPr>
+        </p:nvGraphicFramePr>
+        <p:xfrm>
+          <a:off x="623058" y="2940050"/>
+          <a:ext cx="10682286" cy="1320800"/>
+        </p:xfrm>
+        <a:graphic>
+          <a:graphicData uri="http://schemas.openxmlformats.org/drawingml/2006/table">
+            <a:tbl>
+              <a:tblPr firstRow="1" bandRow="1">
+                <a:tableStyleId>{5C22544A-7EE6-4342-B048-85BDC9FD1C3A}</a:tableStyleId>
+              </a:tblPr>
+              <a:tblGrid>
+                <a:gridCol w="1108907">
+                  <a:extLst>
+                    <a:ext uri="{9D8B030D-6E8A-4147-A177-3AD203B41FA5}">
+                      <a16:colId xmlns:a16="http://schemas.microsoft.com/office/drawing/2014/main" val="3569424210"/>
+                    </a:ext>
+                  </a:extLst>
+                </a:gridCol>
+                <a:gridCol w="1214582">
+                  <a:extLst>
+                    <a:ext uri="{9D8B030D-6E8A-4147-A177-3AD203B41FA5}">
+                      <a16:colId xmlns:a16="http://schemas.microsoft.com/office/drawing/2014/main" val="1167416989"/>
+                    </a:ext>
+                  </a:extLst>
+                </a:gridCol>
+                <a:gridCol w="3017654">
+                  <a:extLst>
+                    <a:ext uri="{9D8B030D-6E8A-4147-A177-3AD203B41FA5}">
+                      <a16:colId xmlns:a16="http://schemas.microsoft.com/office/drawing/2014/main" val="1054077771"/>
+                    </a:ext>
+                  </a:extLst>
+                </a:gridCol>
+                <a:gridCol w="1780381">
+                  <a:extLst>
+                    <a:ext uri="{9D8B030D-6E8A-4147-A177-3AD203B41FA5}">
+                      <a16:colId xmlns:a16="http://schemas.microsoft.com/office/drawing/2014/main" val="1120413781"/>
+                    </a:ext>
+                  </a:extLst>
+                </a:gridCol>
+                <a:gridCol w="1780381">
+                  <a:extLst>
+                    <a:ext uri="{9D8B030D-6E8A-4147-A177-3AD203B41FA5}">
+                      <a16:colId xmlns:a16="http://schemas.microsoft.com/office/drawing/2014/main" val="431138030"/>
+                    </a:ext>
+                  </a:extLst>
+                </a:gridCol>
+                <a:gridCol w="1780381">
+                  <a:extLst>
+                    <a:ext uri="{9D8B030D-6E8A-4147-A177-3AD203B41FA5}">
+                      <a16:colId xmlns:a16="http://schemas.microsoft.com/office/drawing/2014/main" val="541158949"/>
+                    </a:ext>
+                  </a:extLst>
+                </a:gridCol>
+              </a:tblGrid>
+              <a:tr h="370840">
+                <a:tc>
+                  <a:txBody>
+                    <a:bodyPr/>
+                    <a:lstStyle/>
+                    <a:p>
+                      <a:pPr algn="ctr"/>
+                      <a:r>
+                        <a:rPr lang="es-MX" sz="1600" dirty="0">
+                          <a:latin typeface="Arial" panose="020B0604020202020204" pitchFamily="34" charset="0"/>
+                          <a:cs typeface="Arial" panose="020B0604020202020204" pitchFamily="34" charset="0"/>
+                        </a:rPr>
+                        <a:t>ITEM</a:t>
+                      </a:r>
+                      <a:endParaRPr lang="es-PE" sz="1600" dirty="0">
+                        <a:latin typeface="Arial" panose="020B0604020202020204" pitchFamily="34" charset="0"/>
+                        <a:cs typeface="Arial" panose="020B0604020202020204" pitchFamily="34" charset="0"/>
+                      </a:endParaRPr>
+                    </a:p>
+                  </a:txBody>
+                  <a:tcPr anchor="ctr"/>
+                </a:tc>
+                <a:tc>
+                  <a:txBody>
+                    <a:bodyPr/>
+                    <a:lstStyle/>
+                    <a:p>
+                      <a:pPr algn="ctr"/>
+                      <a:r>
+                        <a:rPr lang="es-MX" sz="1600" dirty="0">
+                          <a:latin typeface="Arial" panose="020B0604020202020204" pitchFamily="34" charset="0"/>
+                          <a:cs typeface="Arial" panose="020B0604020202020204" pitchFamily="34" charset="0"/>
+                        </a:rPr>
+                        <a:t>CODIGO</a:t>
+                      </a:r>
+                      <a:endParaRPr lang="es-PE" sz="1600" dirty="0">
+                        <a:latin typeface="Arial" panose="020B0604020202020204" pitchFamily="34" charset="0"/>
+                        <a:cs typeface="Arial" panose="020B0604020202020204" pitchFamily="34" charset="0"/>
+                      </a:endParaRPr>
+                    </a:p>
+                  </a:txBody>
+                  <a:tcPr anchor="ctr"/>
+                </a:tc>
+                <a:tc>
+                  <a:txBody>
+                    <a:bodyPr/>
+                    <a:lstStyle/>
+                    <a:p>
+                      <a:pPr algn="ctr"/>
+                      <a:r>
+                        <a:rPr lang="es-MX" sz="1600" dirty="0">
+                          <a:latin typeface="Arial" panose="020B0604020202020204" pitchFamily="34" charset="0"/>
+                          <a:cs typeface="Arial" panose="020B0604020202020204" pitchFamily="34" charset="0"/>
+                        </a:rPr>
+                        <a:t>DESCRIPCIÓN</a:t>
+                      </a:r>
+                      <a:endParaRPr lang="es-PE" sz="1600" dirty="0">
+                        <a:latin typeface="Arial" panose="020B0604020202020204" pitchFamily="34" charset="0"/>
+                        <a:cs typeface="Arial" panose="020B0604020202020204" pitchFamily="34" charset="0"/>
+                      </a:endParaRPr>
+                    </a:p>
+                  </a:txBody>
+                  <a:tcPr anchor="ctr"/>
+                </a:tc>
+                <a:tc>
+                  <a:txBody>
+                    <a:bodyPr/>
+                    <a:lstStyle/>
+                    <a:p>
+                      <a:pPr algn="ctr"/>
+                      <a:r>
+                        <a:rPr lang="es-MX" sz="1600" dirty="0">
+                          <a:latin typeface="Arial" panose="020B0604020202020204" pitchFamily="34" charset="0"/>
+                          <a:cs typeface="Arial" panose="020B0604020202020204" pitchFamily="34" charset="0"/>
+                        </a:rPr>
+                        <a:t>PRECIO</a:t>
+                      </a:r>
+                      <a:br>
+                        <a:rPr lang="es-MX" sz="1600" dirty="0">
+                          <a:latin typeface="Arial" panose="020B0604020202020204" pitchFamily="34" charset="0"/>
+                          <a:cs typeface="Arial" panose="020B0604020202020204" pitchFamily="34" charset="0"/>
+                        </a:rPr>
+                      </a:br>
+                      <a:r>
+                        <a:rPr lang="es-MX" sz="1600" dirty="0">
+                          <a:latin typeface="Arial" panose="020B0604020202020204" pitchFamily="34" charset="0"/>
+                          <a:cs typeface="Arial" panose="020B0604020202020204" pitchFamily="34" charset="0"/>
+                        </a:rPr>
+                        <a:t>UNITARIO</a:t>
+                      </a:r>
+                      <a:endParaRPr lang="es-PE" sz="1600" dirty="0">
+                        <a:latin typeface="Arial" panose="020B0604020202020204" pitchFamily="34" charset="0"/>
+                        <a:cs typeface="Arial" panose="020B0604020202020204" pitchFamily="34" charset="0"/>
+                      </a:endParaRPr>
+                    </a:p>
+                  </a:txBody>
+                  <a:tcPr anchor="ctr"/>
+                </a:tc>
+                <a:tc>
+                  <a:txBody>
+                    <a:bodyPr/>
+                    <a:lstStyle/>
+                    <a:p>
+                      <a:pPr algn="ctr"/>
+                      <a:r>
+                        <a:rPr lang="es-MX" sz="1600" dirty="0">
+                          <a:latin typeface="Arial" panose="020B0604020202020204" pitchFamily="34" charset="0"/>
+                          <a:cs typeface="Arial" panose="020B0604020202020204" pitchFamily="34" charset="0"/>
+                        </a:rPr>
+                        <a:t>CANTIDAD</a:t>
+                      </a:r>
+                      <a:endParaRPr lang="es-PE" sz="1600" dirty="0">
+                        <a:latin typeface="Arial" panose="020B0604020202020204" pitchFamily="34" charset="0"/>
+                        <a:cs typeface="Arial" panose="020B0604020202020204" pitchFamily="34" charset="0"/>
+                      </a:endParaRPr>
+                    </a:p>
+                  </a:txBody>
+                  <a:tcPr anchor="ctr"/>
+                </a:tc>
+                <a:tc>
+                  <a:txBody>
+                    <a:bodyPr/>
+                    <a:lstStyle/>
+                    <a:p>
+                      <a:pPr algn="ctr"/>
+                      <a:r>
+                        <a:rPr lang="es-MX" sz="1600" dirty="0">
+                          <a:latin typeface="Arial" panose="020B0604020202020204" pitchFamily="34" charset="0"/>
+                          <a:cs typeface="Arial" panose="020B0604020202020204" pitchFamily="34" charset="0"/>
+                        </a:rPr>
+                        <a:t>IMPORTE</a:t>
+                      </a:r>
+                      <a:endParaRPr lang="es-PE" sz="1600" dirty="0">
+                        <a:latin typeface="Arial" panose="020B0604020202020204" pitchFamily="34" charset="0"/>
+                        <a:cs typeface="Arial" panose="020B0604020202020204" pitchFamily="34" charset="0"/>
+                      </a:endParaRPr>
+                    </a:p>
+                  </a:txBody>
+                  <a:tcPr anchor="ctr"/>
+                </a:tc>
+                <a:extLst>
+                  <a:ext uri="{0D108BD9-81ED-4DB2-BD59-A6C34878D82A}">
+                    <a16:rowId xmlns:a16="http://schemas.microsoft.com/office/drawing/2014/main" val="1230554573"/>
+                  </a:ext>
+                </a:extLst>
+              </a:tr>
+              <a:tr h="370840">
+                <a:tc>
+                  <a:txBody>
+                    <a:bodyPr/>
+                    <a:lstStyle/>
+                    <a:p>
+                      <a:pPr algn="ctr"/>
+                      <a:r>
+                        <a:rPr lang="es-MX" sz="1600" dirty="0">
+                          <a:latin typeface="Arial" panose="020B0604020202020204" pitchFamily="34" charset="0"/>
+                          <a:cs typeface="Arial" panose="020B0604020202020204" pitchFamily="34" charset="0"/>
+                        </a:rPr>
+                        <a:t>1</a:t>
+                      </a:r>
+                      <a:endParaRPr lang="es-PE" sz="1600" dirty="0">
+                        <a:latin typeface="Arial" panose="020B0604020202020204" pitchFamily="34" charset="0"/>
+                        <a:cs typeface="Arial" panose="020B0604020202020204" pitchFamily="34" charset="0"/>
+                      </a:endParaRPr>
+                    </a:p>
+                  </a:txBody>
+                  <a:tcPr/>
+                </a:tc>
+                <a:tc>
+                  <a:txBody>
+                    <a:bodyPr/>
+                    <a:lstStyle/>
+                    <a:p>
+                      <a:pPr algn="ctr"/>
+                      <a:r>
+                        <a:rPr lang="es-MX" sz="1600" dirty="0">
+                          <a:latin typeface="Arial" panose="020B0604020202020204" pitchFamily="34" charset="0"/>
+                          <a:cs typeface="Arial" panose="020B0604020202020204" pitchFamily="34" charset="0"/>
+                        </a:rPr>
+                        <a:t>100</a:t>
+                      </a:r>
+                      <a:endParaRPr lang="es-PE" sz="1600" dirty="0">
+                        <a:latin typeface="Arial" panose="020B0604020202020204" pitchFamily="34" charset="0"/>
+                        <a:cs typeface="Arial" panose="020B0604020202020204" pitchFamily="34" charset="0"/>
+                      </a:endParaRPr>
+                    </a:p>
+                  </a:txBody>
+                  <a:tcPr/>
+                </a:tc>
+                <a:tc>
+                  <a:txBody>
+                    <a:bodyPr/>
+                    <a:lstStyle/>
+                    <a:p>
+                      <a:r>
+                        <a:rPr lang="es-MX" sz="1600" dirty="0">
+                          <a:latin typeface="Arial" panose="020B0604020202020204" pitchFamily="34" charset="0"/>
+                          <a:cs typeface="Arial" panose="020B0604020202020204" pitchFamily="34" charset="0"/>
+                        </a:rPr>
+                        <a:t>Cambio de aceite</a:t>
+                      </a:r>
+                      <a:endParaRPr lang="es-PE" sz="1600" dirty="0">
+                        <a:latin typeface="Arial" panose="020B0604020202020204" pitchFamily="34" charset="0"/>
+                        <a:cs typeface="Arial" panose="020B0604020202020204" pitchFamily="34" charset="0"/>
+                      </a:endParaRPr>
+                    </a:p>
+                  </a:txBody>
+                  <a:tcPr/>
+                </a:tc>
+                <a:tc>
+                  <a:txBody>
+                    <a:bodyPr/>
+                    <a:lstStyle/>
+                    <a:p>
+                      <a:pPr algn="r"/>
+                      <a:r>
+                        <a:rPr lang="es-MX" sz="1600" dirty="0">
+                          <a:latin typeface="Arial" panose="020B0604020202020204" pitchFamily="34" charset="0"/>
+                          <a:cs typeface="Arial" panose="020B0604020202020204" pitchFamily="34" charset="0"/>
+                        </a:rPr>
+                        <a:t>240.00</a:t>
+                      </a:r>
+                      <a:endParaRPr lang="es-PE" sz="1600" dirty="0">
+                        <a:latin typeface="Arial" panose="020B0604020202020204" pitchFamily="34" charset="0"/>
+                        <a:cs typeface="Arial" panose="020B0604020202020204" pitchFamily="34" charset="0"/>
+                      </a:endParaRPr>
+                    </a:p>
+                  </a:txBody>
+                  <a:tcPr/>
+                </a:tc>
+                <a:tc>
+                  <a:txBody>
+                    <a:bodyPr/>
+                    <a:lstStyle/>
+                    <a:p>
+                      <a:pPr algn="ctr"/>
+                      <a:r>
+                        <a:rPr lang="es-MX" sz="1600" dirty="0">
+                          <a:latin typeface="Arial" panose="020B0604020202020204" pitchFamily="34" charset="0"/>
+                          <a:cs typeface="Arial" panose="020B0604020202020204" pitchFamily="34" charset="0"/>
+                        </a:rPr>
+                        <a:t>1</a:t>
+                      </a:r>
+                      <a:endParaRPr lang="es-PE" sz="1600" dirty="0">
+                        <a:latin typeface="Arial" panose="020B0604020202020204" pitchFamily="34" charset="0"/>
+                        <a:cs typeface="Arial" panose="020B0604020202020204" pitchFamily="34" charset="0"/>
+                      </a:endParaRPr>
+                    </a:p>
+                  </a:txBody>
+                  <a:tcPr/>
+                </a:tc>
+                <a:tc>
+                  <a:txBody>
+                    <a:bodyPr/>
+                    <a:lstStyle/>
+                    <a:p>
+                      <a:pPr algn="r"/>
+                      <a:r>
+                        <a:rPr lang="es-MX" sz="1600" dirty="0">
+                          <a:latin typeface="Arial" panose="020B0604020202020204" pitchFamily="34" charset="0"/>
+                          <a:cs typeface="Arial" panose="020B0604020202020204" pitchFamily="34" charset="0"/>
+                        </a:rPr>
+                        <a:t>240.00</a:t>
+                      </a:r>
+                      <a:endParaRPr lang="es-PE" sz="1600" dirty="0">
+                        <a:latin typeface="Arial" panose="020B0604020202020204" pitchFamily="34" charset="0"/>
+                        <a:cs typeface="Arial" panose="020B0604020202020204" pitchFamily="34" charset="0"/>
+                      </a:endParaRPr>
+                    </a:p>
+                  </a:txBody>
+                  <a:tcPr/>
+                </a:tc>
+                <a:extLst>
+                  <a:ext uri="{0D108BD9-81ED-4DB2-BD59-A6C34878D82A}">
+                    <a16:rowId xmlns:a16="http://schemas.microsoft.com/office/drawing/2014/main" val="3835704967"/>
+                  </a:ext>
+                </a:extLst>
+              </a:tr>
+              <a:tr h="370840">
+                <a:tc>
+                  <a:txBody>
+                    <a:bodyPr/>
+                    <a:lstStyle/>
+                    <a:p>
+                      <a:pPr algn="ctr"/>
+                      <a:r>
+                        <a:rPr lang="es-MX" sz="1600" dirty="0">
+                          <a:latin typeface="Arial" panose="020B0604020202020204" pitchFamily="34" charset="0"/>
+                          <a:cs typeface="Arial" panose="020B0604020202020204" pitchFamily="34" charset="0"/>
+                        </a:rPr>
+                        <a:t>2</a:t>
+                      </a:r>
+                      <a:endParaRPr lang="es-PE" sz="1600" dirty="0">
+                        <a:latin typeface="Arial" panose="020B0604020202020204" pitchFamily="34" charset="0"/>
+                        <a:cs typeface="Arial" panose="020B0604020202020204" pitchFamily="34" charset="0"/>
+                      </a:endParaRPr>
+                    </a:p>
+                  </a:txBody>
+                  <a:tcPr/>
+                </a:tc>
+                <a:tc>
+                  <a:txBody>
+                    <a:bodyPr/>
+                    <a:lstStyle/>
+                    <a:p>
+                      <a:pPr algn="ctr"/>
+                      <a:r>
+                        <a:rPr lang="es-MX" sz="1600" dirty="0">
+                          <a:latin typeface="Arial" panose="020B0604020202020204" pitchFamily="34" charset="0"/>
+                          <a:cs typeface="Arial" panose="020B0604020202020204" pitchFamily="34" charset="0"/>
+                        </a:rPr>
+                        <a:t>200</a:t>
+                      </a:r>
+                      <a:endParaRPr lang="es-PE" sz="1600" dirty="0">
+                        <a:latin typeface="Arial" panose="020B0604020202020204" pitchFamily="34" charset="0"/>
+                        <a:cs typeface="Arial" panose="020B0604020202020204" pitchFamily="34" charset="0"/>
+                      </a:endParaRPr>
+                    </a:p>
+                  </a:txBody>
+                  <a:tcPr/>
+                </a:tc>
+                <a:tc>
+                  <a:txBody>
+                    <a:bodyPr/>
+                    <a:lstStyle/>
+                    <a:p>
+                      <a:r>
+                        <a:rPr lang="es-MX" sz="1600" dirty="0">
+                          <a:latin typeface="Arial" panose="020B0604020202020204" pitchFamily="34" charset="0"/>
+                          <a:cs typeface="Arial" panose="020B0604020202020204" pitchFamily="34" charset="0"/>
+                        </a:rPr>
+                        <a:t>Cambio de filtro</a:t>
+                      </a:r>
+                      <a:endParaRPr lang="es-PE" sz="1600" dirty="0">
+                        <a:latin typeface="Arial" panose="020B0604020202020204" pitchFamily="34" charset="0"/>
+                        <a:cs typeface="Arial" panose="020B0604020202020204" pitchFamily="34" charset="0"/>
+                      </a:endParaRPr>
+                    </a:p>
+                  </a:txBody>
+                  <a:tcPr/>
+                </a:tc>
+                <a:tc>
+                  <a:txBody>
+                    <a:bodyPr/>
+                    <a:lstStyle/>
+                    <a:p>
+                      <a:pPr algn="r"/>
+                      <a:r>
+                        <a:rPr lang="es-MX" sz="1600" dirty="0">
+                          <a:latin typeface="Arial" panose="020B0604020202020204" pitchFamily="34" charset="0"/>
+                          <a:cs typeface="Arial" panose="020B0604020202020204" pitchFamily="34" charset="0"/>
+                        </a:rPr>
+                        <a:t>150.00</a:t>
+                      </a:r>
+                      <a:endParaRPr lang="es-PE" sz="1600" dirty="0">
+                        <a:latin typeface="Arial" panose="020B0604020202020204" pitchFamily="34" charset="0"/>
+                        <a:cs typeface="Arial" panose="020B0604020202020204" pitchFamily="34" charset="0"/>
+                      </a:endParaRPr>
+                    </a:p>
+                  </a:txBody>
+                  <a:tcPr/>
+                </a:tc>
+                <a:tc>
+                  <a:txBody>
+                    <a:bodyPr/>
+                    <a:lstStyle/>
+                    <a:p>
+                      <a:pPr algn="ctr"/>
+                      <a:r>
+                        <a:rPr lang="es-MX" sz="1600" dirty="0">
+                          <a:latin typeface="Arial" panose="020B0604020202020204" pitchFamily="34" charset="0"/>
+                          <a:cs typeface="Arial" panose="020B0604020202020204" pitchFamily="34" charset="0"/>
+                        </a:rPr>
+                        <a:t>2</a:t>
+                      </a:r>
+                      <a:endParaRPr lang="es-PE" sz="1600" dirty="0">
+                        <a:latin typeface="Arial" panose="020B0604020202020204" pitchFamily="34" charset="0"/>
+                        <a:cs typeface="Arial" panose="020B0604020202020204" pitchFamily="34" charset="0"/>
+                      </a:endParaRPr>
+                    </a:p>
+                  </a:txBody>
+                  <a:tcPr/>
+                </a:tc>
+                <a:tc>
+                  <a:txBody>
+                    <a:bodyPr/>
+                    <a:lstStyle/>
+                    <a:p>
+                      <a:pPr algn="r"/>
+                      <a:r>
+                        <a:rPr lang="es-MX" sz="1600" dirty="0">
+                          <a:latin typeface="Arial" panose="020B0604020202020204" pitchFamily="34" charset="0"/>
+                          <a:cs typeface="Arial" panose="020B0604020202020204" pitchFamily="34" charset="0"/>
+                        </a:rPr>
+                        <a:t>300.00</a:t>
+                      </a:r>
+                      <a:endParaRPr lang="es-PE" sz="1600" dirty="0">
+                        <a:latin typeface="Arial" panose="020B0604020202020204" pitchFamily="34" charset="0"/>
+                        <a:cs typeface="Arial" panose="020B0604020202020204" pitchFamily="34" charset="0"/>
+                      </a:endParaRPr>
+                    </a:p>
+                  </a:txBody>
+                  <a:tcPr/>
+                </a:tc>
+                <a:extLst>
+                  <a:ext uri="{0D108BD9-81ED-4DB2-BD59-A6C34878D82A}">
+                    <a16:rowId xmlns:a16="http://schemas.microsoft.com/office/drawing/2014/main" val="611330316"/>
+                  </a:ext>
+                </a:extLst>
+              </a:tr>
+            </a:tbl>
+          </a:graphicData>
+        </a:graphic>
+      </p:graphicFrame>
+      <p:sp>
+        <p:nvSpPr>
+          <p:cNvPr id="26" name="CuadroTexto 25">
+            <a:extLst>
+              <a:ext uri="{FF2B5EF4-FFF2-40B4-BE49-F238E27FC236}">
+                <a16:creationId xmlns:a16="http://schemas.microsoft.com/office/drawing/2014/main" id="{A52F7466-CE55-4D76-98E3-E2A336D2CC0C}"/>
+              </a:ext>
+            </a:extLst>
+          </p:cNvPr>
+          <p:cNvSpPr txBox="1"/>
+          <p:nvPr/>
+        </p:nvSpPr>
+        <p:spPr>
+          <a:xfrm>
+            <a:off x="1907777" y="4669371"/>
+            <a:ext cx="2006998" cy="369332"/>
+          </a:xfrm>
+          <a:prstGeom prst="rect">
+            <a:avLst/>
+          </a:prstGeom>
+          <a:solidFill>
+            <a:schemeClr val="accent4">
+              <a:lumMod val="20000"/>
+              <a:lumOff val="80000"/>
+            </a:schemeClr>
+          </a:solidFill>
+          <a:ln>
+            <a:solidFill>
+              <a:schemeClr val="tx2"/>
+            </a:solidFill>
+          </a:ln>
+        </p:spPr>
+        <p:txBody>
+          <a:bodyPr wrap="square" rtlCol="0">
+            <a:spAutoFit/>
+          </a:bodyPr>
+          <a:lstStyle/>
+          <a:p>
+            <a:pPr algn="r"/>
+            <a:r>
+              <a:rPr lang="es-MX" dirty="0">
+                <a:solidFill>
+                  <a:schemeClr val="accent1">
+                    <a:lumMod val="75000"/>
+                  </a:schemeClr>
+                </a:solidFill>
+                <a:latin typeface="Arial" panose="020B0604020202020204" pitchFamily="34" charset="0"/>
+                <a:cs typeface="Arial" panose="020B0604020202020204" pitchFamily="34" charset="0"/>
+              </a:rPr>
+              <a:t>457.63</a:t>
+            </a:r>
+            <a:endParaRPr lang="es-PE" dirty="0">
+              <a:solidFill>
+                <a:schemeClr val="accent1">
+                  <a:lumMod val="75000"/>
+                </a:schemeClr>
+              </a:solidFill>
+              <a:latin typeface="Arial" panose="020B0604020202020204" pitchFamily="34" charset="0"/>
+              <a:cs typeface="Arial" panose="020B0604020202020204" pitchFamily="34" charset="0"/>
+            </a:endParaRPr>
+          </a:p>
+        </p:txBody>
+      </p:sp>
+      <p:sp>
+        <p:nvSpPr>
+          <p:cNvPr id="27" name="CuadroTexto 26">
+            <a:extLst>
+              <a:ext uri="{FF2B5EF4-FFF2-40B4-BE49-F238E27FC236}">
+                <a16:creationId xmlns:a16="http://schemas.microsoft.com/office/drawing/2014/main" id="{DFEE69E8-C444-40B0-B8DB-726B78EE9C27}"/>
+              </a:ext>
+            </a:extLst>
+          </p:cNvPr>
+          <p:cNvSpPr txBox="1"/>
+          <p:nvPr/>
+        </p:nvSpPr>
+        <p:spPr>
+          <a:xfrm>
+            <a:off x="714986" y="4674927"/>
+            <a:ext cx="1054244" cy="369332"/>
+          </a:xfrm>
+          <a:prstGeom prst="rect">
+            <a:avLst/>
+          </a:prstGeom>
+          <a:noFill/>
+        </p:spPr>
+        <p:txBody>
+          <a:bodyPr wrap="square" rtlCol="0">
+            <a:spAutoFit/>
+          </a:bodyPr>
+          <a:lstStyle/>
+          <a:p>
+            <a:r>
+              <a:rPr lang="es-MX" dirty="0">
+                <a:solidFill>
+                  <a:schemeClr val="tx1">
+                    <a:lumMod val="65000"/>
+                    <a:lumOff val="35000"/>
+                  </a:schemeClr>
+                </a:solidFill>
+                <a:latin typeface="Arial" panose="020B0604020202020204" pitchFamily="34" charset="0"/>
+                <a:cs typeface="Arial" panose="020B0604020202020204" pitchFamily="34" charset="0"/>
+              </a:rPr>
+              <a:t>Importe:</a:t>
+            </a:r>
+            <a:endParaRPr lang="es-PE" dirty="0">
+              <a:solidFill>
+                <a:schemeClr val="tx1">
+                  <a:lumMod val="65000"/>
+                  <a:lumOff val="35000"/>
+                </a:schemeClr>
+              </a:solidFill>
+              <a:latin typeface="Arial" panose="020B0604020202020204" pitchFamily="34" charset="0"/>
+              <a:cs typeface="Arial" panose="020B0604020202020204" pitchFamily="34" charset="0"/>
+            </a:endParaRPr>
+          </a:p>
+        </p:txBody>
+      </p:sp>
+      <p:sp>
+        <p:nvSpPr>
+          <p:cNvPr id="28" name="CuadroTexto 27">
+            <a:extLst>
+              <a:ext uri="{FF2B5EF4-FFF2-40B4-BE49-F238E27FC236}">
+                <a16:creationId xmlns:a16="http://schemas.microsoft.com/office/drawing/2014/main" id="{2437C34D-6D95-4582-99BE-3EC3142D2109}"/>
+              </a:ext>
+            </a:extLst>
+          </p:cNvPr>
+          <p:cNvSpPr txBox="1"/>
+          <p:nvPr/>
+        </p:nvSpPr>
+        <p:spPr>
+          <a:xfrm>
+            <a:off x="9280724" y="4669371"/>
+            <a:ext cx="2006998" cy="369332"/>
+          </a:xfrm>
+          <a:prstGeom prst="rect">
+            <a:avLst/>
+          </a:prstGeom>
+          <a:solidFill>
+            <a:schemeClr val="accent4">
+              <a:lumMod val="20000"/>
+              <a:lumOff val="80000"/>
+            </a:schemeClr>
+          </a:solidFill>
+          <a:ln>
+            <a:solidFill>
+              <a:schemeClr val="tx2"/>
+            </a:solidFill>
+          </a:ln>
+        </p:spPr>
+        <p:txBody>
+          <a:bodyPr wrap="square" rtlCol="0">
+            <a:spAutoFit/>
+          </a:bodyPr>
+          <a:lstStyle/>
+          <a:p>
+            <a:pPr algn="r"/>
+            <a:r>
+              <a:rPr lang="es-MX" dirty="0">
+                <a:solidFill>
+                  <a:schemeClr val="accent1">
+                    <a:lumMod val="75000"/>
+                  </a:schemeClr>
+                </a:solidFill>
+                <a:latin typeface="Arial" panose="020B0604020202020204" pitchFamily="34" charset="0"/>
+                <a:cs typeface="Arial" panose="020B0604020202020204" pitchFamily="34" charset="0"/>
+              </a:rPr>
+              <a:t>540.00</a:t>
+            </a:r>
+            <a:endParaRPr lang="es-PE" dirty="0">
+              <a:solidFill>
+                <a:schemeClr val="accent1">
+                  <a:lumMod val="75000"/>
+                </a:schemeClr>
+              </a:solidFill>
+              <a:latin typeface="Arial" panose="020B0604020202020204" pitchFamily="34" charset="0"/>
+              <a:cs typeface="Arial" panose="020B0604020202020204" pitchFamily="34" charset="0"/>
+            </a:endParaRPr>
+          </a:p>
+        </p:txBody>
+      </p:sp>
+      <p:sp>
+        <p:nvSpPr>
+          <p:cNvPr id="29" name="CuadroTexto 28">
+            <a:extLst>
+              <a:ext uri="{FF2B5EF4-FFF2-40B4-BE49-F238E27FC236}">
+                <a16:creationId xmlns:a16="http://schemas.microsoft.com/office/drawing/2014/main" id="{18E4243C-38C2-453B-B9AA-D16F59A782E2}"/>
+              </a:ext>
+            </a:extLst>
+          </p:cNvPr>
+          <p:cNvSpPr txBox="1"/>
+          <p:nvPr/>
+        </p:nvSpPr>
+        <p:spPr>
+          <a:xfrm>
+            <a:off x="8087933" y="4674927"/>
+            <a:ext cx="1054244" cy="369332"/>
+          </a:xfrm>
+          <a:prstGeom prst="rect">
+            <a:avLst/>
+          </a:prstGeom>
+          <a:noFill/>
+        </p:spPr>
+        <p:txBody>
+          <a:bodyPr wrap="square" rtlCol="0">
+            <a:spAutoFit/>
+          </a:bodyPr>
+          <a:lstStyle/>
+          <a:p>
+            <a:r>
+              <a:rPr lang="es-MX" dirty="0">
+                <a:solidFill>
+                  <a:schemeClr val="tx1">
+                    <a:lumMod val="65000"/>
+                    <a:lumOff val="35000"/>
+                  </a:schemeClr>
+                </a:solidFill>
+                <a:latin typeface="Arial" panose="020B0604020202020204" pitchFamily="34" charset="0"/>
+                <a:cs typeface="Arial" panose="020B0604020202020204" pitchFamily="34" charset="0"/>
+              </a:rPr>
+              <a:t>Total:</a:t>
+            </a:r>
+            <a:endParaRPr lang="es-PE" dirty="0">
+              <a:solidFill>
+                <a:schemeClr val="tx1">
+                  <a:lumMod val="65000"/>
+                  <a:lumOff val="35000"/>
+                </a:schemeClr>
+              </a:solidFill>
+              <a:latin typeface="Arial" panose="020B0604020202020204" pitchFamily="34" charset="0"/>
+              <a:cs typeface="Arial" panose="020B0604020202020204" pitchFamily="34" charset="0"/>
+            </a:endParaRPr>
+          </a:p>
+        </p:txBody>
+      </p:sp>
+      <p:sp>
+        <p:nvSpPr>
+          <p:cNvPr id="30" name="CuadroTexto 29">
+            <a:extLst>
+              <a:ext uri="{FF2B5EF4-FFF2-40B4-BE49-F238E27FC236}">
+                <a16:creationId xmlns:a16="http://schemas.microsoft.com/office/drawing/2014/main" id="{506BE680-B9BB-4F2B-A462-11B1D318431D}"/>
+              </a:ext>
+            </a:extLst>
+          </p:cNvPr>
+          <p:cNvSpPr txBox="1"/>
+          <p:nvPr/>
+        </p:nvSpPr>
+        <p:spPr>
+          <a:xfrm>
+            <a:off x="5562898" y="4669371"/>
+            <a:ext cx="2006998" cy="369332"/>
+          </a:xfrm>
+          <a:prstGeom prst="rect">
+            <a:avLst/>
+          </a:prstGeom>
+          <a:solidFill>
+            <a:schemeClr val="accent4">
+              <a:lumMod val="20000"/>
+              <a:lumOff val="80000"/>
+            </a:schemeClr>
+          </a:solidFill>
+          <a:ln>
+            <a:solidFill>
+              <a:schemeClr val="tx2"/>
+            </a:solidFill>
+          </a:ln>
+        </p:spPr>
+        <p:txBody>
+          <a:bodyPr wrap="square" rtlCol="0">
+            <a:spAutoFit/>
+          </a:bodyPr>
+          <a:lstStyle/>
+          <a:p>
+            <a:pPr algn="r"/>
+            <a:r>
+              <a:rPr lang="es-MX" dirty="0">
+                <a:solidFill>
+                  <a:schemeClr val="accent1">
+                    <a:lumMod val="75000"/>
+                  </a:schemeClr>
+                </a:solidFill>
+                <a:latin typeface="Arial" panose="020B0604020202020204" pitchFamily="34" charset="0"/>
+                <a:cs typeface="Arial" panose="020B0604020202020204" pitchFamily="34" charset="0"/>
+              </a:rPr>
+              <a:t>82.37</a:t>
+            </a:r>
+            <a:endParaRPr lang="es-PE" dirty="0">
+              <a:solidFill>
+                <a:schemeClr val="accent1">
+                  <a:lumMod val="75000"/>
+                </a:schemeClr>
+              </a:solidFill>
+              <a:latin typeface="Arial" panose="020B0604020202020204" pitchFamily="34" charset="0"/>
+              <a:cs typeface="Arial" panose="020B0604020202020204" pitchFamily="34" charset="0"/>
+            </a:endParaRPr>
+          </a:p>
+        </p:txBody>
+      </p:sp>
+      <p:sp>
+        <p:nvSpPr>
+          <p:cNvPr id="31" name="CuadroTexto 30">
+            <a:extLst>
+              <a:ext uri="{FF2B5EF4-FFF2-40B4-BE49-F238E27FC236}">
+                <a16:creationId xmlns:a16="http://schemas.microsoft.com/office/drawing/2014/main" id="{57E66D8B-E484-4142-A881-61EAD588EB6F}"/>
+              </a:ext>
+            </a:extLst>
+          </p:cNvPr>
+          <p:cNvSpPr txBox="1"/>
+          <p:nvPr/>
+        </p:nvSpPr>
+        <p:spPr>
+          <a:xfrm>
+            <a:off x="4307682" y="4674927"/>
+            <a:ext cx="1255215" cy="369332"/>
+          </a:xfrm>
+          <a:prstGeom prst="rect">
+            <a:avLst/>
+          </a:prstGeom>
+          <a:noFill/>
+        </p:spPr>
+        <p:txBody>
+          <a:bodyPr wrap="square" rtlCol="0">
+            <a:spAutoFit/>
+          </a:bodyPr>
+          <a:lstStyle/>
+          <a:p>
+            <a:r>
+              <a:rPr lang="es-MX" dirty="0">
+                <a:solidFill>
+                  <a:schemeClr val="tx1">
+                    <a:lumMod val="65000"/>
+                    <a:lumOff val="35000"/>
+                  </a:schemeClr>
+                </a:solidFill>
+                <a:latin typeface="Arial" panose="020B0604020202020204" pitchFamily="34" charset="0"/>
+                <a:cs typeface="Arial" panose="020B0604020202020204" pitchFamily="34" charset="0"/>
+              </a:rPr>
+              <a:t>Impuesto:</a:t>
+            </a:r>
+            <a:endParaRPr lang="es-PE" dirty="0">
+              <a:solidFill>
+                <a:schemeClr val="tx1">
+                  <a:lumMod val="65000"/>
+                  <a:lumOff val="35000"/>
+                </a:schemeClr>
+              </a:solidFill>
+              <a:latin typeface="Arial" panose="020B0604020202020204" pitchFamily="34" charset="0"/>
+              <a:cs typeface="Arial" panose="020B0604020202020204" pitchFamily="34" charset="0"/>
+            </a:endParaRPr>
+          </a:p>
+        </p:txBody>
+      </p:sp>
+      <p:sp>
+        <p:nvSpPr>
+          <p:cNvPr id="32" name="CuadroTexto 31">
+            <a:extLst>
+              <a:ext uri="{FF2B5EF4-FFF2-40B4-BE49-F238E27FC236}">
+                <a16:creationId xmlns:a16="http://schemas.microsoft.com/office/drawing/2014/main" id="{F3F6B9FC-84CF-4894-B8F6-FAAF1369A482}"/>
+              </a:ext>
+            </a:extLst>
+          </p:cNvPr>
+          <p:cNvSpPr txBox="1"/>
+          <p:nvPr/>
+        </p:nvSpPr>
+        <p:spPr>
+          <a:xfrm>
+            <a:off x="3006021" y="1951689"/>
+            <a:ext cx="3536772" cy="369332"/>
+          </a:xfrm>
+          <a:prstGeom prst="rect">
+            <a:avLst/>
+          </a:prstGeom>
+          <a:solidFill>
+            <a:schemeClr val="bg1"/>
+          </a:solidFill>
+          <a:ln>
+            <a:solidFill>
+              <a:schemeClr val="tx2"/>
+            </a:solidFill>
+          </a:ln>
+        </p:spPr>
+        <p:txBody>
+          <a:bodyPr wrap="square" rtlCol="0">
+            <a:spAutoFit/>
+          </a:bodyPr>
+          <a:lstStyle/>
+          <a:p>
+            <a:r>
+              <a:rPr lang="es-MX" dirty="0">
+                <a:solidFill>
+                  <a:schemeClr val="bg2">
+                    <a:lumMod val="50000"/>
+                  </a:schemeClr>
+                </a:solidFill>
+                <a:latin typeface="Arial" panose="020B0604020202020204" pitchFamily="34" charset="0"/>
+                <a:cs typeface="Arial" panose="020B0604020202020204" pitchFamily="34" charset="0"/>
+              </a:rPr>
+              <a:t>Cambio de frenos</a:t>
+            </a:r>
+            <a:endParaRPr lang="es-PE" dirty="0">
+              <a:solidFill>
+                <a:schemeClr val="bg2">
+                  <a:lumMod val="50000"/>
+                </a:schemeClr>
+              </a:solidFill>
+              <a:latin typeface="Arial" panose="020B0604020202020204" pitchFamily="34" charset="0"/>
+              <a:cs typeface="Arial" panose="020B0604020202020204" pitchFamily="34" charset="0"/>
+            </a:endParaRPr>
+          </a:p>
+        </p:txBody>
+      </p:sp>
+      <p:sp>
+        <p:nvSpPr>
+          <p:cNvPr id="33" name="CuadroTexto 32">
+            <a:extLst>
+              <a:ext uri="{FF2B5EF4-FFF2-40B4-BE49-F238E27FC236}">
+                <a16:creationId xmlns:a16="http://schemas.microsoft.com/office/drawing/2014/main" id="{E4F6EEAE-099D-453D-AFFE-9234BCA278BD}"/>
+              </a:ext>
+            </a:extLst>
+          </p:cNvPr>
+          <p:cNvSpPr txBox="1"/>
+          <p:nvPr/>
+        </p:nvSpPr>
+        <p:spPr>
+          <a:xfrm>
+            <a:off x="1038836" y="1956350"/>
+            <a:ext cx="1990114" cy="369332"/>
+          </a:xfrm>
+          <a:prstGeom prst="rect">
+            <a:avLst/>
+          </a:prstGeom>
+          <a:noFill/>
+        </p:spPr>
+        <p:txBody>
+          <a:bodyPr wrap="square" rtlCol="0">
+            <a:spAutoFit/>
+          </a:bodyPr>
+          <a:lstStyle/>
+          <a:p>
+            <a:r>
+              <a:rPr lang="es-MX" dirty="0">
+                <a:solidFill>
+                  <a:schemeClr val="tx1">
+                    <a:lumMod val="65000"/>
+                    <a:lumOff val="35000"/>
+                  </a:schemeClr>
+                </a:solidFill>
+                <a:latin typeface="Arial" panose="020B0604020202020204" pitchFamily="34" charset="0"/>
+                <a:cs typeface="Arial" panose="020B0604020202020204" pitchFamily="34" charset="0"/>
+              </a:rPr>
+              <a:t>Revisión técnica:</a:t>
+            </a:r>
+            <a:endParaRPr lang="es-PE" dirty="0">
+              <a:solidFill>
+                <a:schemeClr val="tx1">
+                  <a:lumMod val="65000"/>
+                  <a:lumOff val="35000"/>
+                </a:schemeClr>
+              </a:solidFill>
+              <a:latin typeface="Arial" panose="020B0604020202020204" pitchFamily="34" charset="0"/>
+              <a:cs typeface="Arial" panose="020B0604020202020204" pitchFamily="34" charset="0"/>
+            </a:endParaRPr>
+          </a:p>
+        </p:txBody>
+      </p:sp>
+      <p:sp>
+        <p:nvSpPr>
+          <p:cNvPr id="34" name="Triángulo isósceles 33">
+            <a:extLst>
+              <a:ext uri="{FF2B5EF4-FFF2-40B4-BE49-F238E27FC236}">
+                <a16:creationId xmlns:a16="http://schemas.microsoft.com/office/drawing/2014/main" id="{47BDC5B5-DF0F-4276-8307-B16DAE9628EB}"/>
+              </a:ext>
+            </a:extLst>
+          </p:cNvPr>
+          <p:cNvSpPr/>
+          <p:nvPr/>
+        </p:nvSpPr>
+        <p:spPr>
+          <a:xfrm rot="10800000">
+            <a:off x="5987021" y="2031311"/>
+            <a:ext cx="339204" cy="210087"/>
+          </a:xfrm>
+          <a:prstGeom prst="triangle">
+            <a:avLst/>
+          </a:prstGeom>
+          <a:solidFill>
+            <a:schemeClr val="accent4">
+              <a:lumMod val="50000"/>
+            </a:schemeClr>
+          </a:solidFill>
+        </p:spPr>
+        <p:style>
+          <a:lnRef idx="2">
+            <a:schemeClr val="accent1">
+              <a:shade val="50000"/>
+            </a:schemeClr>
+          </a:lnRef>
+          <a:fillRef idx="1">
+            <a:schemeClr val="accent1"/>
+          </a:fillRef>
+          <a:effectRef idx="0">
+            <a:schemeClr val="accent1"/>
+          </a:effectRef>
+          <a:fontRef idx="minor">
+            <a:schemeClr val="lt1"/>
+          </a:fontRef>
+        </p:style>
+        <p:txBody>
+          <a:bodyPr rtlCol="0" anchor="ctr"/>
+          <a:lstStyle/>
+          <a:p>
+            <a:pPr algn="ctr"/>
+            <a:endParaRPr lang="es-PE"/>
+          </a:p>
+        </p:txBody>
+      </p:sp>
+      <p:sp>
+        <p:nvSpPr>
+          <p:cNvPr id="35" name="CuadroTexto 34">
+            <a:extLst>
+              <a:ext uri="{FF2B5EF4-FFF2-40B4-BE49-F238E27FC236}">
+                <a16:creationId xmlns:a16="http://schemas.microsoft.com/office/drawing/2014/main" id="{63CF4E12-5CAA-4AFA-B379-50333B132A2B}"/>
+              </a:ext>
+            </a:extLst>
+          </p:cNvPr>
+          <p:cNvSpPr txBox="1"/>
+          <p:nvPr/>
+        </p:nvSpPr>
+        <p:spPr>
+          <a:xfrm>
+            <a:off x="6755173" y="1951688"/>
+            <a:ext cx="2006998" cy="369332"/>
+          </a:xfrm>
+          <a:prstGeom prst="rect">
+            <a:avLst/>
+          </a:prstGeom>
+          <a:solidFill>
+            <a:schemeClr val="accent4">
+              <a:lumMod val="20000"/>
+              <a:lumOff val="80000"/>
+            </a:schemeClr>
+          </a:solidFill>
+          <a:ln>
+            <a:solidFill>
+              <a:schemeClr val="tx2"/>
+            </a:solidFill>
+          </a:ln>
+        </p:spPr>
+        <p:txBody>
+          <a:bodyPr wrap="square" rtlCol="0">
+            <a:spAutoFit/>
+          </a:bodyPr>
+          <a:lstStyle/>
+          <a:p>
+            <a:pPr algn="r"/>
+            <a:r>
+              <a:rPr lang="es-MX" dirty="0">
+                <a:solidFill>
+                  <a:schemeClr val="accent1">
+                    <a:lumMod val="75000"/>
+                  </a:schemeClr>
+                </a:solidFill>
+                <a:latin typeface="Arial" panose="020B0604020202020204" pitchFamily="34" charset="0"/>
+                <a:cs typeface="Arial" panose="020B0604020202020204" pitchFamily="34" charset="0"/>
+              </a:rPr>
+              <a:t>S/. 230.00</a:t>
+            </a:r>
+            <a:endParaRPr lang="es-PE" dirty="0">
+              <a:solidFill>
+                <a:schemeClr val="accent1">
+                  <a:lumMod val="75000"/>
+                </a:schemeClr>
+              </a:solidFill>
+              <a:latin typeface="Arial" panose="020B0604020202020204" pitchFamily="34" charset="0"/>
+              <a:cs typeface="Arial" panose="020B0604020202020204" pitchFamily="34" charset="0"/>
+            </a:endParaRPr>
+          </a:p>
+        </p:txBody>
+      </p:sp>
+      <p:sp>
+        <p:nvSpPr>
+          <p:cNvPr id="36" name="Rectángulo: esquinas redondeadas 35">
+            <a:extLst>
+              <a:ext uri="{FF2B5EF4-FFF2-40B4-BE49-F238E27FC236}">
+                <a16:creationId xmlns:a16="http://schemas.microsoft.com/office/drawing/2014/main" id="{24506CF5-C23F-4994-8F3E-850C4F5801E5}"/>
+              </a:ext>
+            </a:extLst>
+          </p:cNvPr>
+          <p:cNvSpPr/>
+          <p:nvPr/>
+        </p:nvSpPr>
+        <p:spPr>
+          <a:xfrm>
+            <a:off x="9076134" y="1906536"/>
+            <a:ext cx="1337434" cy="459635"/>
+          </a:xfrm>
+          <a:prstGeom prst="roundRect">
+            <a:avLst/>
+          </a:prstGeom>
+        </p:spPr>
+        <p:style>
+          <a:lnRef idx="2">
+            <a:schemeClr val="accent1">
+              <a:shade val="50000"/>
+            </a:schemeClr>
+          </a:lnRef>
+          <a:fillRef idx="1">
+            <a:schemeClr val="accent1"/>
+          </a:fillRef>
+          <a:effectRef idx="0">
+            <a:schemeClr val="accent1"/>
+          </a:effectRef>
+          <a:fontRef idx="minor">
+            <a:schemeClr val="lt1"/>
+          </a:fontRef>
+        </p:style>
+        <p:txBody>
+          <a:bodyPr rtlCol="0" anchor="ctr"/>
+          <a:lstStyle/>
+          <a:p>
+            <a:pPr algn="ctr"/>
+            <a:r>
+              <a:rPr lang="es-MX" dirty="0">
+                <a:latin typeface="Arial" panose="020B0604020202020204" pitchFamily="34" charset="0"/>
+                <a:cs typeface="Arial" panose="020B0604020202020204" pitchFamily="34" charset="0"/>
+              </a:rPr>
+              <a:t>Agregar</a:t>
+            </a:r>
+            <a:endParaRPr lang="es-PE" dirty="0">
+              <a:latin typeface="Arial" panose="020B0604020202020204" pitchFamily="34" charset="0"/>
+              <a:cs typeface="Arial" panose="020B0604020202020204" pitchFamily="34" charset="0"/>
+            </a:endParaRPr>
+          </a:p>
+        </p:txBody>
+      </p:sp>
+    </p:spTree>
+    <p:extLst>
+      <p:ext uri="{BB962C8B-B14F-4D97-AF65-F5344CB8AC3E}">
+        <p14:creationId xmlns:p14="http://schemas.microsoft.com/office/powerpoint/2010/main" val="2769231645"/>
+      </p:ext>
+    </p:extLst>
+  </p:cSld>
+  <p:clrMapOvr>
+    <a:masterClrMapping/>
+  </p:clrMapOvr>
+</p:sld>
+</file>
+
+<file path=ppt/slides/slide5.xml><?xml version="1.0" encoding="utf-8"?>
 <p:sld xmlns:a="http://schemas.openxmlformats.org/drawingml/2006/main" xmlns:r="http://schemas.openxmlformats.org/officeDocument/2006/relationships" xmlns:p="http://schemas.openxmlformats.org/presentationml/2006/main">
   <p:cSld>
     <p:spTree>

--- a/ProyectoDemo/Prototipos.pptx
+++ b/ProyectoDemo/Prototipos.pptx
@@ -265,7 +265,7 @@
           <a:p>
             <a:fld id="{59479DF8-B0D2-410D-BE61-5137DF0C497D}" type="datetimeFigureOut">
               <a:rPr lang="es-PE" smtClean="0"/>
-              <a:t>21/10/2021</a:t>
+              <a:t>5/11/2021</a:t>
             </a:fld>
             <a:endParaRPr lang="es-PE"/>
           </a:p>
@@ -465,7 +465,7 @@
           <a:p>
             <a:fld id="{59479DF8-B0D2-410D-BE61-5137DF0C497D}" type="datetimeFigureOut">
               <a:rPr lang="es-PE" smtClean="0"/>
-              <a:t>21/10/2021</a:t>
+              <a:t>5/11/2021</a:t>
             </a:fld>
             <a:endParaRPr lang="es-PE"/>
           </a:p>
@@ -675,7 +675,7 @@
           <a:p>
             <a:fld id="{59479DF8-B0D2-410D-BE61-5137DF0C497D}" type="datetimeFigureOut">
               <a:rPr lang="es-PE" smtClean="0"/>
-              <a:t>21/10/2021</a:t>
+              <a:t>5/11/2021</a:t>
             </a:fld>
             <a:endParaRPr lang="es-PE"/>
           </a:p>
@@ -875,7 +875,7 @@
           <a:p>
             <a:fld id="{59479DF8-B0D2-410D-BE61-5137DF0C497D}" type="datetimeFigureOut">
               <a:rPr lang="es-PE" smtClean="0"/>
-              <a:t>21/10/2021</a:t>
+              <a:t>5/11/2021</a:t>
             </a:fld>
             <a:endParaRPr lang="es-PE"/>
           </a:p>
@@ -1151,7 +1151,7 @@
           <a:p>
             <a:fld id="{59479DF8-B0D2-410D-BE61-5137DF0C497D}" type="datetimeFigureOut">
               <a:rPr lang="es-PE" smtClean="0"/>
-              <a:t>21/10/2021</a:t>
+              <a:t>5/11/2021</a:t>
             </a:fld>
             <a:endParaRPr lang="es-PE"/>
           </a:p>
@@ -1419,7 +1419,7 @@
           <a:p>
             <a:fld id="{59479DF8-B0D2-410D-BE61-5137DF0C497D}" type="datetimeFigureOut">
               <a:rPr lang="es-PE" smtClean="0"/>
-              <a:t>21/10/2021</a:t>
+              <a:t>5/11/2021</a:t>
             </a:fld>
             <a:endParaRPr lang="es-PE"/>
           </a:p>
@@ -1834,7 +1834,7 @@
           <a:p>
             <a:fld id="{59479DF8-B0D2-410D-BE61-5137DF0C497D}" type="datetimeFigureOut">
               <a:rPr lang="es-PE" smtClean="0"/>
-              <a:t>21/10/2021</a:t>
+              <a:t>5/11/2021</a:t>
             </a:fld>
             <a:endParaRPr lang="es-PE"/>
           </a:p>
@@ -1976,7 +1976,7 @@
           <a:p>
             <a:fld id="{59479DF8-B0D2-410D-BE61-5137DF0C497D}" type="datetimeFigureOut">
               <a:rPr lang="es-PE" smtClean="0"/>
-              <a:t>21/10/2021</a:t>
+              <a:t>5/11/2021</a:t>
             </a:fld>
             <a:endParaRPr lang="es-PE"/>
           </a:p>
@@ -2089,7 +2089,7 @@
           <a:p>
             <a:fld id="{59479DF8-B0D2-410D-BE61-5137DF0C497D}" type="datetimeFigureOut">
               <a:rPr lang="es-PE" smtClean="0"/>
-              <a:t>21/10/2021</a:t>
+              <a:t>5/11/2021</a:t>
             </a:fld>
             <a:endParaRPr lang="es-PE"/>
           </a:p>
@@ -2402,7 +2402,7 @@
           <a:p>
             <a:fld id="{59479DF8-B0D2-410D-BE61-5137DF0C497D}" type="datetimeFigureOut">
               <a:rPr lang="es-PE" smtClean="0"/>
-              <a:t>21/10/2021</a:t>
+              <a:t>5/11/2021</a:t>
             </a:fld>
             <a:endParaRPr lang="es-PE"/>
           </a:p>
@@ -2691,7 +2691,7 @@
           <a:p>
             <a:fld id="{59479DF8-B0D2-410D-BE61-5137DF0C497D}" type="datetimeFigureOut">
               <a:rPr lang="es-PE" smtClean="0"/>
-              <a:t>21/10/2021</a:t>
+              <a:t>5/11/2021</a:t>
             </a:fld>
             <a:endParaRPr lang="es-PE"/>
           </a:p>
@@ -2934,7 +2934,7 @@
           <a:p>
             <a:fld id="{59479DF8-B0D2-410D-BE61-5137DF0C497D}" type="datetimeFigureOut">
               <a:rPr lang="es-PE" smtClean="0"/>
-              <a:t>21/10/2021</a:t>
+              <a:t>5/11/2021</a:t>
             </a:fld>
             <a:endParaRPr lang="es-PE"/>
           </a:p>
@@ -7454,6 +7454,302 @@
           <a:chExt cx="0" cy="0"/>
         </a:xfrm>
       </p:grpSpPr>
+      <p:sp>
+        <p:nvSpPr>
+          <p:cNvPr id="2" name="Rectángulo 1">
+            <a:extLst>
+              <a:ext uri="{FF2B5EF4-FFF2-40B4-BE49-F238E27FC236}">
+                <a16:creationId xmlns:a16="http://schemas.microsoft.com/office/drawing/2014/main" id="{494B0836-D443-47B5-BE53-489B3014F881}"/>
+              </a:ext>
+            </a:extLst>
+          </p:cNvPr>
+          <p:cNvSpPr/>
+          <p:nvPr/>
+        </p:nvSpPr>
+        <p:spPr>
+          <a:xfrm>
+            <a:off x="3177309" y="1413163"/>
+            <a:ext cx="5200073" cy="3703782"/>
+          </a:xfrm>
+          <a:prstGeom prst="rect">
+            <a:avLst/>
+          </a:prstGeom>
+        </p:spPr>
+        <p:style>
+          <a:lnRef idx="2">
+            <a:schemeClr val="accent1">
+              <a:shade val="50000"/>
+            </a:schemeClr>
+          </a:lnRef>
+          <a:fillRef idx="1">
+            <a:schemeClr val="accent1"/>
+          </a:fillRef>
+          <a:effectRef idx="0">
+            <a:schemeClr val="accent1"/>
+          </a:effectRef>
+          <a:fontRef idx="minor">
+            <a:schemeClr val="lt1"/>
+          </a:fontRef>
+        </p:style>
+        <p:txBody>
+          <a:bodyPr rtlCol="0" anchor="ctr"/>
+          <a:lstStyle/>
+          <a:p>
+            <a:pPr algn="ctr"/>
+            <a:r>
+              <a:rPr lang="es-MX" sz="3600" dirty="0" err="1"/>
+              <a:t>validarUsuario</a:t>
+            </a:r>
+            <a:endParaRPr lang="es-PE" sz="3600" dirty="0"/>
+          </a:p>
+        </p:txBody>
+      </p:sp>
+      <p:sp>
+        <p:nvSpPr>
+          <p:cNvPr id="3" name="Flecha: a la derecha 2">
+            <a:extLst>
+              <a:ext uri="{FF2B5EF4-FFF2-40B4-BE49-F238E27FC236}">
+                <a16:creationId xmlns:a16="http://schemas.microsoft.com/office/drawing/2014/main" id="{43A872F1-8B94-4FB3-9960-03522C729FAE}"/>
+              </a:ext>
+            </a:extLst>
+          </p:cNvPr>
+          <p:cNvSpPr/>
+          <p:nvPr/>
+        </p:nvSpPr>
+        <p:spPr>
+          <a:xfrm>
+            <a:off x="1902691" y="1856509"/>
+            <a:ext cx="1182255" cy="1219200"/>
+          </a:xfrm>
+          <a:prstGeom prst="rightArrow">
+            <a:avLst/>
+          </a:prstGeom>
+        </p:spPr>
+        <p:style>
+          <a:lnRef idx="2">
+            <a:schemeClr val="accent6">
+              <a:shade val="50000"/>
+            </a:schemeClr>
+          </a:lnRef>
+          <a:fillRef idx="1">
+            <a:schemeClr val="accent6"/>
+          </a:fillRef>
+          <a:effectRef idx="0">
+            <a:schemeClr val="accent6"/>
+          </a:effectRef>
+          <a:fontRef idx="minor">
+            <a:schemeClr val="lt1"/>
+          </a:fontRef>
+        </p:style>
+        <p:txBody>
+          <a:bodyPr rtlCol="0" anchor="ctr"/>
+          <a:lstStyle/>
+          <a:p>
+            <a:pPr algn="ctr"/>
+            <a:endParaRPr lang="es-PE"/>
+          </a:p>
+        </p:txBody>
+      </p:sp>
+      <p:sp>
+        <p:nvSpPr>
+          <p:cNvPr id="4" name="Flecha: a la derecha 3">
+            <a:extLst>
+              <a:ext uri="{FF2B5EF4-FFF2-40B4-BE49-F238E27FC236}">
+                <a16:creationId xmlns:a16="http://schemas.microsoft.com/office/drawing/2014/main" id="{2E4A178E-67C7-47A3-9093-617B867CF5FF}"/>
+              </a:ext>
+            </a:extLst>
+          </p:cNvPr>
+          <p:cNvSpPr/>
+          <p:nvPr/>
+        </p:nvSpPr>
+        <p:spPr>
+          <a:xfrm>
+            <a:off x="1902691" y="3401291"/>
+            <a:ext cx="1182255" cy="1219200"/>
+          </a:xfrm>
+          <a:prstGeom prst="rightArrow">
+            <a:avLst/>
+          </a:prstGeom>
+        </p:spPr>
+        <p:style>
+          <a:lnRef idx="2">
+            <a:schemeClr val="accent6">
+              <a:shade val="50000"/>
+            </a:schemeClr>
+          </a:lnRef>
+          <a:fillRef idx="1">
+            <a:schemeClr val="accent6"/>
+          </a:fillRef>
+          <a:effectRef idx="0">
+            <a:schemeClr val="accent6"/>
+          </a:effectRef>
+          <a:fontRef idx="minor">
+            <a:schemeClr val="lt1"/>
+          </a:fontRef>
+        </p:style>
+        <p:txBody>
+          <a:bodyPr rtlCol="0" anchor="ctr"/>
+          <a:lstStyle/>
+          <a:p>
+            <a:pPr algn="ctr"/>
+            <a:endParaRPr lang="es-PE"/>
+          </a:p>
+        </p:txBody>
+      </p:sp>
+      <p:sp>
+        <p:nvSpPr>
+          <p:cNvPr id="5" name="CuadroTexto 4">
+            <a:extLst>
+              <a:ext uri="{FF2B5EF4-FFF2-40B4-BE49-F238E27FC236}">
+                <a16:creationId xmlns:a16="http://schemas.microsoft.com/office/drawing/2014/main" id="{422E8304-BA0B-4353-9CB2-9B5EF2DDADCF}"/>
+              </a:ext>
+            </a:extLst>
+          </p:cNvPr>
+          <p:cNvSpPr txBox="1"/>
+          <p:nvPr/>
+        </p:nvSpPr>
+        <p:spPr>
+          <a:xfrm>
+            <a:off x="1019116" y="2281443"/>
+            <a:ext cx="883575" cy="369332"/>
+          </a:xfrm>
+          <a:prstGeom prst="rect">
+            <a:avLst/>
+          </a:prstGeom>
+          <a:noFill/>
+        </p:spPr>
+        <p:txBody>
+          <a:bodyPr wrap="none" rtlCol="0">
+            <a:spAutoFit/>
+          </a:bodyPr>
+          <a:lstStyle/>
+          <a:p>
+            <a:r>
+              <a:rPr lang="es-MX" dirty="0"/>
+              <a:t>usuario</a:t>
+            </a:r>
+            <a:endParaRPr lang="es-PE" dirty="0"/>
+          </a:p>
+        </p:txBody>
+      </p:sp>
+      <p:sp>
+        <p:nvSpPr>
+          <p:cNvPr id="6" name="CuadroTexto 5">
+            <a:extLst>
+              <a:ext uri="{FF2B5EF4-FFF2-40B4-BE49-F238E27FC236}">
+                <a16:creationId xmlns:a16="http://schemas.microsoft.com/office/drawing/2014/main" id="{C5F3C34D-0842-4F38-A533-FCABD9CF952E}"/>
+              </a:ext>
+            </a:extLst>
+          </p:cNvPr>
+          <p:cNvSpPr txBox="1"/>
+          <p:nvPr/>
+        </p:nvSpPr>
+        <p:spPr>
+          <a:xfrm>
+            <a:off x="1131165" y="3826225"/>
+            <a:ext cx="659476" cy="369332"/>
+          </a:xfrm>
+          <a:prstGeom prst="rect">
+            <a:avLst/>
+          </a:prstGeom>
+          <a:noFill/>
+        </p:spPr>
+        <p:txBody>
+          <a:bodyPr wrap="none" rtlCol="0">
+            <a:spAutoFit/>
+          </a:bodyPr>
+          <a:lstStyle/>
+          <a:p>
+            <a:r>
+              <a:rPr lang="es-MX" dirty="0"/>
+              <a:t>clave</a:t>
+            </a:r>
+            <a:endParaRPr lang="es-PE" dirty="0"/>
+          </a:p>
+        </p:txBody>
+      </p:sp>
+      <p:sp>
+        <p:nvSpPr>
+          <p:cNvPr id="7" name="Flecha: a la derecha 6">
+            <a:extLst>
+              <a:ext uri="{FF2B5EF4-FFF2-40B4-BE49-F238E27FC236}">
+                <a16:creationId xmlns:a16="http://schemas.microsoft.com/office/drawing/2014/main" id="{34E6824E-7EFC-4DEB-AD17-2CC82699D838}"/>
+              </a:ext>
+            </a:extLst>
+          </p:cNvPr>
+          <p:cNvSpPr/>
+          <p:nvPr/>
+        </p:nvSpPr>
+        <p:spPr>
+          <a:xfrm>
+            <a:off x="8469745" y="2819400"/>
+            <a:ext cx="1182255" cy="1219200"/>
+          </a:xfrm>
+          <a:prstGeom prst="rightArrow">
+            <a:avLst/>
+          </a:prstGeom>
+        </p:spPr>
+        <p:style>
+          <a:lnRef idx="2">
+            <a:schemeClr val="accent6">
+              <a:shade val="50000"/>
+            </a:schemeClr>
+          </a:lnRef>
+          <a:fillRef idx="1">
+            <a:schemeClr val="accent6"/>
+          </a:fillRef>
+          <a:effectRef idx="0">
+            <a:schemeClr val="accent6"/>
+          </a:effectRef>
+          <a:fontRef idx="minor">
+            <a:schemeClr val="lt1"/>
+          </a:fontRef>
+        </p:style>
+        <p:txBody>
+          <a:bodyPr rtlCol="0" anchor="ctr"/>
+          <a:lstStyle/>
+          <a:p>
+            <a:pPr algn="ctr"/>
+            <a:endParaRPr lang="es-PE"/>
+          </a:p>
+        </p:txBody>
+      </p:sp>
+      <p:sp>
+        <p:nvSpPr>
+          <p:cNvPr id="8" name="CuadroTexto 7">
+            <a:extLst>
+              <a:ext uri="{FF2B5EF4-FFF2-40B4-BE49-F238E27FC236}">
+                <a16:creationId xmlns:a16="http://schemas.microsoft.com/office/drawing/2014/main" id="{9497287C-6B3C-41E6-A53A-879C97666AB9}"/>
+              </a:ext>
+            </a:extLst>
+          </p:cNvPr>
+          <p:cNvSpPr txBox="1"/>
+          <p:nvPr/>
+        </p:nvSpPr>
+        <p:spPr>
+          <a:xfrm>
+            <a:off x="9744363" y="3216625"/>
+            <a:ext cx="1468031" cy="369332"/>
+          </a:xfrm>
+          <a:prstGeom prst="rect">
+            <a:avLst/>
+          </a:prstGeom>
+          <a:noFill/>
+        </p:spPr>
+        <p:txBody>
+          <a:bodyPr wrap="none" rtlCol="0">
+            <a:spAutoFit/>
+          </a:bodyPr>
+          <a:lstStyle/>
+          <a:p>
+            <a:r>
+              <a:rPr lang="es-MX" dirty="0" err="1"/>
+              <a:t>empleadoDto</a:t>
+            </a:r>
+            <a:endParaRPr lang="es-PE" dirty="0"/>
+          </a:p>
+        </p:txBody>
+      </p:sp>
     </p:spTree>
     <p:extLst>
       <p:ext uri="{BB962C8B-B14F-4D97-AF65-F5344CB8AC3E}">
